--- a/Dynogrid_ProgressReport_v1.pptx
+++ b/Dynogrid_ProgressReport_v1.pptx
@@ -1,11 +1,14 @@
 
 <file path=ppt/presentation.xml><?xml version="1.0" encoding="utf-8"?>
-<p:presentation xmlns:a="http://schemas.openxmlformats.org/drawingml/2006/main" xmlns:r="http://schemas.openxmlformats.org/officeDocument/2006/relationships" xmlns:p="http://schemas.openxmlformats.org/presentationml/2006/main" saveSubsetFonts="1">
+<p:presentation xmlns:a="http://schemas.openxmlformats.org/drawingml/2006/main" xmlns:r="http://schemas.openxmlformats.org/officeDocument/2006/relationships" xmlns:mc="http://schemas.openxmlformats.org/markup-compatibility/2006" xmlns:mv="urn:schemas-microsoft-com:mac:vml" xmlns:p="http://schemas.openxmlformats.org/presentationml/2006/main" mc:Ignorable="mv" mc:PreserveAttributes="mv:*" saveSubsetFonts="1">
   <p:sldMasterIdLst>
     <p:sldMasterId id="2147483648" r:id="rId1"/>
   </p:sldMasterIdLst>
   <p:sldIdLst>
     <p:sldId id="256" r:id="rId2"/>
+    <p:sldId id="257" r:id="rId3"/>
+    <p:sldId id="258" r:id="rId4"/>
+    <p:sldId id="259" r:id="rId5"/>
   </p:sldIdLst>
   <p:sldSz cx="9144000" cy="6858000" type="screen4x3"/>
   <p:notesSz cx="6858000" cy="9144000"/>
@@ -108,7 +111,7 @@
 </file>
 
 <file path=ppt/slideLayouts/slideLayout1.xml><?xml version="1.0" encoding="utf-8"?>
-<p:sldLayout xmlns:a="http://schemas.openxmlformats.org/drawingml/2006/main" xmlns:r="http://schemas.openxmlformats.org/officeDocument/2006/relationships" xmlns:p="http://schemas.openxmlformats.org/presentationml/2006/main" type="title" preserve="1">
+<p:sldLayout xmlns:a="http://schemas.openxmlformats.org/drawingml/2006/main" xmlns:r="http://schemas.openxmlformats.org/officeDocument/2006/relationships" xmlns:mc="http://schemas.openxmlformats.org/markup-compatibility/2006" xmlns:mv="urn:schemas-microsoft-com:mac:vml" xmlns:p="http://schemas.openxmlformats.org/presentationml/2006/main" mc:Ignorable="mv" mc:PreserveAttributes="mv:*" type="title" preserve="1">
   <p:cSld name="Title Slide">
     <p:spTree>
       <p:nvGrpSpPr>
@@ -288,7 +291,8 @@
           <a:p>
             <a:fld id="{A3323DE7-1CA7-4F98-8D89-1EC98E67AF2C}" type="datetimeFigureOut">
               <a:rPr lang="en-US" smtClean="0"/>
-              <a:t>4/12/2015</a:t>
+              <a:pPr/>
+              <a:t>4/12/15</a:t>
             </a:fld>
             <a:endParaRPr lang="en-US"/>
           </a:p>
@@ -330,6 +334,7 @@
           <a:p>
             <a:fld id="{DC195FB4-C1CF-4E48-8A34-1E7672AA497B}" type="slidenum">
               <a:rPr lang="en-US" smtClean="0"/>
+              <a:pPr/>
               <a:t>‹#›</a:t>
             </a:fld>
             <a:endParaRPr lang="en-US"/>
@@ -339,7 +344,7 @@
     </p:spTree>
     <p:extLst>
       <p:ext uri="{BB962C8B-B14F-4D97-AF65-F5344CB8AC3E}">
-        <p14:creationId xmlns:p14="http://schemas.microsoft.com/office/powerpoint/2010/main" val="1178169927"/>
+        <p14:creationId xmlns:p14="http://schemas.microsoft.com/office/powerpoint/2010/main" xmlns:p="http://schemas.openxmlformats.org/presentationml/2006/main" xmlns:r="http://schemas.openxmlformats.org/officeDocument/2006/relationships" xmlns:a="http://schemas.openxmlformats.org/drawingml/2006/main" xmlns="" val="1178169927"/>
       </p:ext>
     </p:extLst>
   </p:cSld>
@@ -350,7 +355,7 @@
 </file>
 
 <file path=ppt/slideLayouts/slideLayout10.xml><?xml version="1.0" encoding="utf-8"?>
-<p:sldLayout xmlns:a="http://schemas.openxmlformats.org/drawingml/2006/main" xmlns:r="http://schemas.openxmlformats.org/officeDocument/2006/relationships" xmlns:p="http://schemas.openxmlformats.org/presentationml/2006/main" type="vertTx" preserve="1">
+<p:sldLayout xmlns:a="http://schemas.openxmlformats.org/drawingml/2006/main" xmlns:r="http://schemas.openxmlformats.org/officeDocument/2006/relationships" xmlns:mc="http://schemas.openxmlformats.org/markup-compatibility/2006" xmlns:mv="urn:schemas-microsoft-com:mac:vml" xmlns:p="http://schemas.openxmlformats.org/presentationml/2006/main" mc:Ignorable="mv" mc:PreserveAttributes="mv:*" type="vertTx" preserve="1">
   <p:cSld name="Title and Vertical Text">
     <p:spTree>
       <p:nvGrpSpPr>
@@ -458,7 +463,8 @@
           <a:p>
             <a:fld id="{A3323DE7-1CA7-4F98-8D89-1EC98E67AF2C}" type="datetimeFigureOut">
               <a:rPr lang="en-US" smtClean="0"/>
-              <a:t>4/12/2015</a:t>
+              <a:pPr/>
+              <a:t>4/12/15</a:t>
             </a:fld>
             <a:endParaRPr lang="en-US"/>
           </a:p>
@@ -500,6 +506,7 @@
           <a:p>
             <a:fld id="{DC195FB4-C1CF-4E48-8A34-1E7672AA497B}" type="slidenum">
               <a:rPr lang="en-US" smtClean="0"/>
+              <a:pPr/>
               <a:t>‹#›</a:t>
             </a:fld>
             <a:endParaRPr lang="en-US"/>
@@ -509,7 +516,7 @@
     </p:spTree>
     <p:extLst>
       <p:ext uri="{BB962C8B-B14F-4D97-AF65-F5344CB8AC3E}">
-        <p14:creationId xmlns:p14="http://schemas.microsoft.com/office/powerpoint/2010/main" val="917881071"/>
+        <p14:creationId xmlns:p14="http://schemas.microsoft.com/office/powerpoint/2010/main" xmlns:p="http://schemas.openxmlformats.org/presentationml/2006/main" xmlns:r="http://schemas.openxmlformats.org/officeDocument/2006/relationships" xmlns:a="http://schemas.openxmlformats.org/drawingml/2006/main" xmlns="" val="917881071"/>
       </p:ext>
     </p:extLst>
   </p:cSld>
@@ -520,7 +527,7 @@
 </file>
 
 <file path=ppt/slideLayouts/slideLayout11.xml><?xml version="1.0" encoding="utf-8"?>
-<p:sldLayout xmlns:a="http://schemas.openxmlformats.org/drawingml/2006/main" xmlns:r="http://schemas.openxmlformats.org/officeDocument/2006/relationships" xmlns:p="http://schemas.openxmlformats.org/presentationml/2006/main" type="vertTitleAndTx" preserve="1">
+<p:sldLayout xmlns:a="http://schemas.openxmlformats.org/drawingml/2006/main" xmlns:r="http://schemas.openxmlformats.org/officeDocument/2006/relationships" xmlns:mc="http://schemas.openxmlformats.org/markup-compatibility/2006" xmlns:mv="urn:schemas-microsoft-com:mac:vml" xmlns:p="http://schemas.openxmlformats.org/presentationml/2006/main" mc:Ignorable="mv" mc:PreserveAttributes="mv:*" type="vertTitleAndTx" preserve="1">
   <p:cSld name="Vertical Title and Text">
     <p:spTree>
       <p:nvGrpSpPr>
@@ -638,7 +645,8 @@
           <a:p>
             <a:fld id="{A3323DE7-1CA7-4F98-8D89-1EC98E67AF2C}" type="datetimeFigureOut">
               <a:rPr lang="en-US" smtClean="0"/>
-              <a:t>4/12/2015</a:t>
+              <a:pPr/>
+              <a:t>4/12/15</a:t>
             </a:fld>
             <a:endParaRPr lang="en-US"/>
           </a:p>
@@ -680,6 +688,7 @@
           <a:p>
             <a:fld id="{DC195FB4-C1CF-4E48-8A34-1E7672AA497B}" type="slidenum">
               <a:rPr lang="en-US" smtClean="0"/>
+              <a:pPr/>
               <a:t>‹#›</a:t>
             </a:fld>
             <a:endParaRPr lang="en-US"/>
@@ -689,7 +698,7 @@
     </p:spTree>
     <p:extLst>
       <p:ext uri="{BB962C8B-B14F-4D97-AF65-F5344CB8AC3E}">
-        <p14:creationId xmlns:p14="http://schemas.microsoft.com/office/powerpoint/2010/main" val="2323799925"/>
+        <p14:creationId xmlns:p14="http://schemas.microsoft.com/office/powerpoint/2010/main" xmlns:p="http://schemas.openxmlformats.org/presentationml/2006/main" xmlns:r="http://schemas.openxmlformats.org/officeDocument/2006/relationships" xmlns:a="http://schemas.openxmlformats.org/drawingml/2006/main" xmlns="" val="2323799925"/>
       </p:ext>
     </p:extLst>
   </p:cSld>
@@ -700,7 +709,7 @@
 </file>
 
 <file path=ppt/slideLayouts/slideLayout2.xml><?xml version="1.0" encoding="utf-8"?>
-<p:sldLayout xmlns:a="http://schemas.openxmlformats.org/drawingml/2006/main" xmlns:r="http://schemas.openxmlformats.org/officeDocument/2006/relationships" xmlns:p="http://schemas.openxmlformats.org/presentationml/2006/main" type="obj" preserve="1">
+<p:sldLayout xmlns:a="http://schemas.openxmlformats.org/drawingml/2006/main" xmlns:r="http://schemas.openxmlformats.org/officeDocument/2006/relationships" xmlns:mc="http://schemas.openxmlformats.org/markup-compatibility/2006" xmlns:mv="urn:schemas-microsoft-com:mac:vml" xmlns:p="http://schemas.openxmlformats.org/presentationml/2006/main" mc:Ignorable="mv" mc:PreserveAttributes="mv:*" type="obj" preserve="1">
   <p:cSld name="Title and Content">
     <p:spTree>
       <p:nvGrpSpPr>
@@ -808,7 +817,8 @@
           <a:p>
             <a:fld id="{A3323DE7-1CA7-4F98-8D89-1EC98E67AF2C}" type="datetimeFigureOut">
               <a:rPr lang="en-US" smtClean="0"/>
-              <a:t>4/12/2015</a:t>
+              <a:pPr/>
+              <a:t>4/12/15</a:t>
             </a:fld>
             <a:endParaRPr lang="en-US"/>
           </a:p>
@@ -850,6 +860,7 @@
           <a:p>
             <a:fld id="{DC195FB4-C1CF-4E48-8A34-1E7672AA497B}" type="slidenum">
               <a:rPr lang="en-US" smtClean="0"/>
+              <a:pPr/>
               <a:t>‹#›</a:t>
             </a:fld>
             <a:endParaRPr lang="en-US"/>
@@ -859,7 +870,7 @@
     </p:spTree>
     <p:extLst>
       <p:ext uri="{BB962C8B-B14F-4D97-AF65-F5344CB8AC3E}">
-        <p14:creationId xmlns:p14="http://schemas.microsoft.com/office/powerpoint/2010/main" val="1661309406"/>
+        <p14:creationId xmlns:p14="http://schemas.microsoft.com/office/powerpoint/2010/main" xmlns:p="http://schemas.openxmlformats.org/presentationml/2006/main" xmlns:r="http://schemas.openxmlformats.org/officeDocument/2006/relationships" xmlns:a="http://schemas.openxmlformats.org/drawingml/2006/main" xmlns="" val="1661309406"/>
       </p:ext>
     </p:extLst>
   </p:cSld>
@@ -870,7 +881,7 @@
 </file>
 
 <file path=ppt/slideLayouts/slideLayout3.xml><?xml version="1.0" encoding="utf-8"?>
-<p:sldLayout xmlns:a="http://schemas.openxmlformats.org/drawingml/2006/main" xmlns:r="http://schemas.openxmlformats.org/officeDocument/2006/relationships" xmlns:p="http://schemas.openxmlformats.org/presentationml/2006/main" type="secHead" preserve="1">
+<p:sldLayout xmlns:a="http://schemas.openxmlformats.org/drawingml/2006/main" xmlns:r="http://schemas.openxmlformats.org/officeDocument/2006/relationships" xmlns:mc="http://schemas.openxmlformats.org/markup-compatibility/2006" xmlns:mv="urn:schemas-microsoft-com:mac:vml" xmlns:p="http://schemas.openxmlformats.org/presentationml/2006/main" mc:Ignorable="mv" mc:PreserveAttributes="mv:*" type="secHead" preserve="1">
   <p:cSld name="Section Header">
     <p:spTree>
       <p:nvGrpSpPr>
@@ -1054,7 +1065,8 @@
           <a:p>
             <a:fld id="{A3323DE7-1CA7-4F98-8D89-1EC98E67AF2C}" type="datetimeFigureOut">
               <a:rPr lang="en-US" smtClean="0"/>
-              <a:t>4/12/2015</a:t>
+              <a:pPr/>
+              <a:t>4/12/15</a:t>
             </a:fld>
             <a:endParaRPr lang="en-US"/>
           </a:p>
@@ -1096,6 +1108,7 @@
           <a:p>
             <a:fld id="{DC195FB4-C1CF-4E48-8A34-1E7672AA497B}" type="slidenum">
               <a:rPr lang="en-US" smtClean="0"/>
+              <a:pPr/>
               <a:t>‹#›</a:t>
             </a:fld>
             <a:endParaRPr lang="en-US"/>
@@ -1105,7 +1118,7 @@
     </p:spTree>
     <p:extLst>
       <p:ext uri="{BB962C8B-B14F-4D97-AF65-F5344CB8AC3E}">
-        <p14:creationId xmlns:p14="http://schemas.microsoft.com/office/powerpoint/2010/main" val="116544424"/>
+        <p14:creationId xmlns:p14="http://schemas.microsoft.com/office/powerpoint/2010/main" xmlns:p="http://schemas.openxmlformats.org/presentationml/2006/main" xmlns:r="http://schemas.openxmlformats.org/officeDocument/2006/relationships" xmlns:a="http://schemas.openxmlformats.org/drawingml/2006/main" xmlns="" val="116544424"/>
       </p:ext>
     </p:extLst>
   </p:cSld>
@@ -1116,7 +1129,7 @@
 </file>
 
 <file path=ppt/slideLayouts/slideLayout4.xml><?xml version="1.0" encoding="utf-8"?>
-<p:sldLayout xmlns:a="http://schemas.openxmlformats.org/drawingml/2006/main" xmlns:r="http://schemas.openxmlformats.org/officeDocument/2006/relationships" xmlns:p="http://schemas.openxmlformats.org/presentationml/2006/main" type="twoObj" preserve="1">
+<p:sldLayout xmlns:a="http://schemas.openxmlformats.org/drawingml/2006/main" xmlns:r="http://schemas.openxmlformats.org/officeDocument/2006/relationships" xmlns:mc="http://schemas.openxmlformats.org/markup-compatibility/2006" xmlns:mv="urn:schemas-microsoft-com:mac:vml" xmlns:p="http://schemas.openxmlformats.org/presentationml/2006/main" mc:Ignorable="mv" mc:PreserveAttributes="mv:*" type="twoObj" preserve="1">
   <p:cSld name="Two Content">
     <p:spTree>
       <p:nvGrpSpPr>
@@ -1342,7 +1355,8 @@
           <a:p>
             <a:fld id="{A3323DE7-1CA7-4F98-8D89-1EC98E67AF2C}" type="datetimeFigureOut">
               <a:rPr lang="en-US" smtClean="0"/>
-              <a:t>4/12/2015</a:t>
+              <a:pPr/>
+              <a:t>4/12/15</a:t>
             </a:fld>
             <a:endParaRPr lang="en-US"/>
           </a:p>
@@ -1384,6 +1398,7 @@
           <a:p>
             <a:fld id="{DC195FB4-C1CF-4E48-8A34-1E7672AA497B}" type="slidenum">
               <a:rPr lang="en-US" smtClean="0"/>
+              <a:pPr/>
               <a:t>‹#›</a:t>
             </a:fld>
             <a:endParaRPr lang="en-US"/>
@@ -1393,7 +1408,7 @@
     </p:spTree>
     <p:extLst>
       <p:ext uri="{BB962C8B-B14F-4D97-AF65-F5344CB8AC3E}">
-        <p14:creationId xmlns:p14="http://schemas.microsoft.com/office/powerpoint/2010/main" val="2381061995"/>
+        <p14:creationId xmlns:p14="http://schemas.microsoft.com/office/powerpoint/2010/main" xmlns:p="http://schemas.openxmlformats.org/presentationml/2006/main" xmlns:r="http://schemas.openxmlformats.org/officeDocument/2006/relationships" xmlns:a="http://schemas.openxmlformats.org/drawingml/2006/main" xmlns="" val="2381061995"/>
       </p:ext>
     </p:extLst>
   </p:cSld>
@@ -1404,7 +1419,7 @@
 </file>
 
 <file path=ppt/slideLayouts/slideLayout5.xml><?xml version="1.0" encoding="utf-8"?>
-<p:sldLayout xmlns:a="http://schemas.openxmlformats.org/drawingml/2006/main" xmlns:r="http://schemas.openxmlformats.org/officeDocument/2006/relationships" xmlns:p="http://schemas.openxmlformats.org/presentationml/2006/main" type="twoTxTwoObj" preserve="1">
+<p:sldLayout xmlns:a="http://schemas.openxmlformats.org/drawingml/2006/main" xmlns:r="http://schemas.openxmlformats.org/officeDocument/2006/relationships" xmlns:mc="http://schemas.openxmlformats.org/markup-compatibility/2006" xmlns:mv="urn:schemas-microsoft-com:mac:vml" xmlns:p="http://schemas.openxmlformats.org/presentationml/2006/main" mc:Ignorable="mv" mc:PreserveAttributes="mv:*" type="twoTxTwoObj" preserve="1">
   <p:cSld name="Comparison">
     <p:spTree>
       <p:nvGrpSpPr>
@@ -1764,7 +1779,8 @@
           <a:p>
             <a:fld id="{A3323DE7-1CA7-4F98-8D89-1EC98E67AF2C}" type="datetimeFigureOut">
               <a:rPr lang="en-US" smtClean="0"/>
-              <a:t>4/12/2015</a:t>
+              <a:pPr/>
+              <a:t>4/12/15</a:t>
             </a:fld>
             <a:endParaRPr lang="en-US"/>
           </a:p>
@@ -1806,6 +1822,7 @@
           <a:p>
             <a:fld id="{DC195FB4-C1CF-4E48-8A34-1E7672AA497B}" type="slidenum">
               <a:rPr lang="en-US" smtClean="0"/>
+              <a:pPr/>
               <a:t>‹#›</a:t>
             </a:fld>
             <a:endParaRPr lang="en-US"/>
@@ -1815,7 +1832,7 @@
     </p:spTree>
     <p:extLst>
       <p:ext uri="{BB962C8B-B14F-4D97-AF65-F5344CB8AC3E}">
-        <p14:creationId xmlns:p14="http://schemas.microsoft.com/office/powerpoint/2010/main" val="2995337799"/>
+        <p14:creationId xmlns:p14="http://schemas.microsoft.com/office/powerpoint/2010/main" xmlns:p="http://schemas.openxmlformats.org/presentationml/2006/main" xmlns:r="http://schemas.openxmlformats.org/officeDocument/2006/relationships" xmlns:a="http://schemas.openxmlformats.org/drawingml/2006/main" xmlns="" val="2995337799"/>
       </p:ext>
     </p:extLst>
   </p:cSld>
@@ -1826,7 +1843,7 @@
 </file>
 
 <file path=ppt/slideLayouts/slideLayout6.xml><?xml version="1.0" encoding="utf-8"?>
-<p:sldLayout xmlns:a="http://schemas.openxmlformats.org/drawingml/2006/main" xmlns:r="http://schemas.openxmlformats.org/officeDocument/2006/relationships" xmlns:p="http://schemas.openxmlformats.org/presentationml/2006/main" type="titleOnly" preserve="1">
+<p:sldLayout xmlns:a="http://schemas.openxmlformats.org/drawingml/2006/main" xmlns:r="http://schemas.openxmlformats.org/officeDocument/2006/relationships" xmlns:mc="http://schemas.openxmlformats.org/markup-compatibility/2006" xmlns:mv="urn:schemas-microsoft-com:mac:vml" xmlns:p="http://schemas.openxmlformats.org/presentationml/2006/main" mc:Ignorable="mv" mc:PreserveAttributes="mv:*" type="titleOnly" preserve="1">
   <p:cSld name="Title Only">
     <p:spTree>
       <p:nvGrpSpPr>
@@ -1882,7 +1899,8 @@
           <a:p>
             <a:fld id="{A3323DE7-1CA7-4F98-8D89-1EC98E67AF2C}" type="datetimeFigureOut">
               <a:rPr lang="en-US" smtClean="0"/>
-              <a:t>4/12/2015</a:t>
+              <a:pPr/>
+              <a:t>4/12/15</a:t>
             </a:fld>
             <a:endParaRPr lang="en-US"/>
           </a:p>
@@ -1924,6 +1942,7 @@
           <a:p>
             <a:fld id="{DC195FB4-C1CF-4E48-8A34-1E7672AA497B}" type="slidenum">
               <a:rPr lang="en-US" smtClean="0"/>
+              <a:pPr/>
               <a:t>‹#›</a:t>
             </a:fld>
             <a:endParaRPr lang="en-US"/>
@@ -1933,7 +1952,7 @@
     </p:spTree>
     <p:extLst>
       <p:ext uri="{BB962C8B-B14F-4D97-AF65-F5344CB8AC3E}">
-        <p14:creationId xmlns:p14="http://schemas.microsoft.com/office/powerpoint/2010/main" val="415496904"/>
+        <p14:creationId xmlns:p14="http://schemas.microsoft.com/office/powerpoint/2010/main" xmlns:p="http://schemas.openxmlformats.org/presentationml/2006/main" xmlns:r="http://schemas.openxmlformats.org/officeDocument/2006/relationships" xmlns:a="http://schemas.openxmlformats.org/drawingml/2006/main" xmlns="" val="415496904"/>
       </p:ext>
     </p:extLst>
   </p:cSld>
@@ -1944,7 +1963,7 @@
 </file>
 
 <file path=ppt/slideLayouts/slideLayout7.xml><?xml version="1.0" encoding="utf-8"?>
-<p:sldLayout xmlns:a="http://schemas.openxmlformats.org/drawingml/2006/main" xmlns:r="http://schemas.openxmlformats.org/officeDocument/2006/relationships" xmlns:p="http://schemas.openxmlformats.org/presentationml/2006/main" type="blank" preserve="1">
+<p:sldLayout xmlns:a="http://schemas.openxmlformats.org/drawingml/2006/main" xmlns:r="http://schemas.openxmlformats.org/officeDocument/2006/relationships" xmlns:mc="http://schemas.openxmlformats.org/markup-compatibility/2006" xmlns:mv="urn:schemas-microsoft-com:mac:vml" xmlns:p="http://schemas.openxmlformats.org/presentationml/2006/main" mc:Ignorable="mv" mc:PreserveAttributes="mv:*" type="blank" preserve="1">
   <p:cSld name="Blank">
     <p:spTree>
       <p:nvGrpSpPr>
@@ -1977,7 +1996,8 @@
           <a:p>
             <a:fld id="{A3323DE7-1CA7-4F98-8D89-1EC98E67AF2C}" type="datetimeFigureOut">
               <a:rPr lang="en-US" smtClean="0"/>
-              <a:t>4/12/2015</a:t>
+              <a:pPr/>
+              <a:t>4/12/15</a:t>
             </a:fld>
             <a:endParaRPr lang="en-US"/>
           </a:p>
@@ -2019,6 +2039,7 @@
           <a:p>
             <a:fld id="{DC195FB4-C1CF-4E48-8A34-1E7672AA497B}" type="slidenum">
               <a:rPr lang="en-US" smtClean="0"/>
+              <a:pPr/>
               <a:t>‹#›</a:t>
             </a:fld>
             <a:endParaRPr lang="en-US"/>
@@ -2028,7 +2049,7 @@
     </p:spTree>
     <p:extLst>
       <p:ext uri="{BB962C8B-B14F-4D97-AF65-F5344CB8AC3E}">
-        <p14:creationId xmlns:p14="http://schemas.microsoft.com/office/powerpoint/2010/main" val="2607504586"/>
+        <p14:creationId xmlns:p14="http://schemas.microsoft.com/office/powerpoint/2010/main" xmlns:p="http://schemas.openxmlformats.org/presentationml/2006/main" xmlns:r="http://schemas.openxmlformats.org/officeDocument/2006/relationships" xmlns:a="http://schemas.openxmlformats.org/drawingml/2006/main" xmlns="" val="2607504586"/>
       </p:ext>
     </p:extLst>
   </p:cSld>
@@ -2039,7 +2060,7 @@
 </file>
 
 <file path=ppt/slideLayouts/slideLayout8.xml><?xml version="1.0" encoding="utf-8"?>
-<p:sldLayout xmlns:a="http://schemas.openxmlformats.org/drawingml/2006/main" xmlns:r="http://schemas.openxmlformats.org/officeDocument/2006/relationships" xmlns:p="http://schemas.openxmlformats.org/presentationml/2006/main" type="objTx" preserve="1">
+<p:sldLayout xmlns:a="http://schemas.openxmlformats.org/drawingml/2006/main" xmlns:r="http://schemas.openxmlformats.org/officeDocument/2006/relationships" xmlns:mc="http://schemas.openxmlformats.org/markup-compatibility/2006" xmlns:mv="urn:schemas-microsoft-com:mac:vml" xmlns:p="http://schemas.openxmlformats.org/presentationml/2006/main" mc:Ignorable="mv" mc:PreserveAttributes="mv:*" type="objTx" preserve="1">
   <p:cSld name="Content with Caption">
     <p:spTree>
       <p:nvGrpSpPr>
@@ -2254,7 +2275,8 @@
           <a:p>
             <a:fld id="{A3323DE7-1CA7-4F98-8D89-1EC98E67AF2C}" type="datetimeFigureOut">
               <a:rPr lang="en-US" smtClean="0"/>
-              <a:t>4/12/2015</a:t>
+              <a:pPr/>
+              <a:t>4/12/15</a:t>
             </a:fld>
             <a:endParaRPr lang="en-US"/>
           </a:p>
@@ -2296,6 +2318,7 @@
           <a:p>
             <a:fld id="{DC195FB4-C1CF-4E48-8A34-1E7672AA497B}" type="slidenum">
               <a:rPr lang="en-US" smtClean="0"/>
+              <a:pPr/>
               <a:t>‹#›</a:t>
             </a:fld>
             <a:endParaRPr lang="en-US"/>
@@ -2305,7 +2328,7 @@
     </p:spTree>
     <p:extLst>
       <p:ext uri="{BB962C8B-B14F-4D97-AF65-F5344CB8AC3E}">
-        <p14:creationId xmlns:p14="http://schemas.microsoft.com/office/powerpoint/2010/main" val="508117069"/>
+        <p14:creationId xmlns:p14="http://schemas.microsoft.com/office/powerpoint/2010/main" xmlns:p="http://schemas.openxmlformats.org/presentationml/2006/main" xmlns:r="http://schemas.openxmlformats.org/officeDocument/2006/relationships" xmlns:a="http://schemas.openxmlformats.org/drawingml/2006/main" xmlns="" val="508117069"/>
       </p:ext>
     </p:extLst>
   </p:cSld>
@@ -2316,7 +2339,7 @@
 </file>
 
 <file path=ppt/slideLayouts/slideLayout9.xml><?xml version="1.0" encoding="utf-8"?>
-<p:sldLayout xmlns:a="http://schemas.openxmlformats.org/drawingml/2006/main" xmlns:r="http://schemas.openxmlformats.org/officeDocument/2006/relationships" xmlns:p="http://schemas.openxmlformats.org/presentationml/2006/main" type="picTx" preserve="1">
+<p:sldLayout xmlns:a="http://schemas.openxmlformats.org/drawingml/2006/main" xmlns:r="http://schemas.openxmlformats.org/officeDocument/2006/relationships" xmlns:mc="http://schemas.openxmlformats.org/markup-compatibility/2006" xmlns:mv="urn:schemas-microsoft-com:mac:vml" xmlns:p="http://schemas.openxmlformats.org/presentationml/2006/main" mc:Ignorable="mv" mc:PreserveAttributes="mv:*" type="picTx" preserve="1">
   <p:cSld name="Picture with Caption">
     <p:spTree>
       <p:nvGrpSpPr>
@@ -2507,7 +2530,8 @@
           <a:p>
             <a:fld id="{A3323DE7-1CA7-4F98-8D89-1EC98E67AF2C}" type="datetimeFigureOut">
               <a:rPr lang="en-US" smtClean="0"/>
-              <a:t>4/12/2015</a:t>
+              <a:pPr/>
+              <a:t>4/12/15</a:t>
             </a:fld>
             <a:endParaRPr lang="en-US"/>
           </a:p>
@@ -2549,6 +2573,7 @@
           <a:p>
             <a:fld id="{DC195FB4-C1CF-4E48-8A34-1E7672AA497B}" type="slidenum">
               <a:rPr lang="en-US" smtClean="0"/>
+              <a:pPr/>
               <a:t>‹#›</a:t>
             </a:fld>
             <a:endParaRPr lang="en-US"/>
@@ -2558,7 +2583,7 @@
     </p:spTree>
     <p:extLst>
       <p:ext uri="{BB962C8B-B14F-4D97-AF65-F5344CB8AC3E}">
-        <p14:creationId xmlns:p14="http://schemas.microsoft.com/office/powerpoint/2010/main" val="425774408"/>
+        <p14:creationId xmlns:p14="http://schemas.microsoft.com/office/powerpoint/2010/main" xmlns:p="http://schemas.openxmlformats.org/presentationml/2006/main" xmlns:r="http://schemas.openxmlformats.org/officeDocument/2006/relationships" xmlns:a="http://schemas.openxmlformats.org/drawingml/2006/main" xmlns="" val="425774408"/>
       </p:ext>
     </p:extLst>
   </p:cSld>
@@ -2569,7 +2594,7 @@
 </file>
 
 <file path=ppt/slideMasters/slideMaster1.xml><?xml version="1.0" encoding="utf-8"?>
-<p:sldMaster xmlns:a="http://schemas.openxmlformats.org/drawingml/2006/main" xmlns:r="http://schemas.openxmlformats.org/officeDocument/2006/relationships" xmlns:p="http://schemas.openxmlformats.org/presentationml/2006/main">
+<p:sldMaster xmlns:a="http://schemas.openxmlformats.org/drawingml/2006/main" xmlns:r="http://schemas.openxmlformats.org/officeDocument/2006/relationships" xmlns:mc="http://schemas.openxmlformats.org/markup-compatibility/2006" xmlns:mv="urn:schemas-microsoft-com:mac:vml" xmlns:p="http://schemas.openxmlformats.org/presentationml/2006/main" mc:Ignorable="mv" mc:PreserveAttributes="mv:*">
   <p:cSld>
     <p:bg>
       <p:bgRef idx="1001">
@@ -2720,7 +2745,8 @@
           <a:p>
             <a:fld id="{A3323DE7-1CA7-4F98-8D89-1EC98E67AF2C}" type="datetimeFigureOut">
               <a:rPr lang="en-US" smtClean="0"/>
-              <a:t>4/12/2015</a:t>
+              <a:pPr/>
+              <a:t>4/12/15</a:t>
             </a:fld>
             <a:endParaRPr lang="en-US"/>
           </a:p>
@@ -2798,6 +2824,7 @@
           <a:p>
             <a:fld id="{DC195FB4-C1CF-4E48-8A34-1E7672AA497B}" type="slidenum">
               <a:rPr lang="en-US" smtClean="0"/>
+              <a:pPr/>
               <a:t>‹#›</a:t>
             </a:fld>
             <a:endParaRPr lang="en-US"/>
@@ -2807,7 +2834,7 @@
     </p:spTree>
     <p:extLst>
       <p:ext uri="{BB962C8B-B14F-4D97-AF65-F5344CB8AC3E}">
-        <p14:creationId xmlns:p14="http://schemas.microsoft.com/office/powerpoint/2010/main" val="2935169150"/>
+        <p14:creationId xmlns:p14="http://schemas.microsoft.com/office/powerpoint/2010/main" xmlns:p="http://schemas.openxmlformats.org/presentationml/2006/main" xmlns:r="http://schemas.openxmlformats.org/officeDocument/2006/relationships" xmlns:a="http://schemas.openxmlformats.org/drawingml/2006/main" xmlns="" val="2935169150"/>
       </p:ext>
     </p:extLst>
   </p:cSld>
@@ -3079,7 +3106,7 @@
 </file>
 
 <file path=ppt/slides/slide1.xml><?xml version="1.0" encoding="utf-8"?>
-<p:sld xmlns:a="http://schemas.openxmlformats.org/drawingml/2006/main" xmlns:r="http://schemas.openxmlformats.org/officeDocument/2006/relationships" xmlns:p="http://schemas.openxmlformats.org/presentationml/2006/main">
+<p:sld xmlns:a="http://schemas.openxmlformats.org/drawingml/2006/main" xmlns:r="http://schemas.openxmlformats.org/officeDocument/2006/relationships" xmlns:mc="http://schemas.openxmlformats.org/markup-compatibility/2006" xmlns:mv="urn:schemas-microsoft-com:mac:vml" xmlns:p="http://schemas.openxmlformats.org/presentationml/2006/main" mc:Ignorable="mv" mc:PreserveAttributes="mv:*">
   <p:cSld>
     <p:spTree>
       <p:nvGrpSpPr>
@@ -3107,7 +3134,7 @@
           <a:blip r:embed="rId2" cstate="print">
             <a:extLst>
               <a:ext uri="{28A0092B-C50C-407E-A947-70E740481C1C}">
-                <a14:useLocalDpi xmlns:a14="http://schemas.microsoft.com/office/drawing/2010/main" val="0"/>
+                <a14:useLocalDpi xmlns:a14="http://schemas.microsoft.com/office/drawing/2010/main" xmlns:p="http://schemas.openxmlformats.org/presentationml/2006/main" xmlns:r="http://schemas.openxmlformats.org/officeDocument/2006/relationships" xmlns:a="http://schemas.openxmlformats.org/drawingml/2006/main" xmlns="" val="0"/>
               </a:ext>
             </a:extLst>
           </a:blip>
@@ -3127,7 +3154,7 @@
           <a:noFill/>
           <a:extLst>
             <a:ext uri="{909E8E84-426E-40DD-AFC4-6F175D3DCCD1}">
-              <a14:hiddenFill xmlns:a14="http://schemas.microsoft.com/office/drawing/2010/main">
+              <a14:hiddenFill xmlns:a14="http://schemas.microsoft.com/office/drawing/2010/main" xmlns:p="http://schemas.openxmlformats.org/presentationml/2006/main" xmlns:r="http://schemas.openxmlformats.org/officeDocument/2006/relationships" xmlns:a="http://schemas.openxmlformats.org/drawingml/2006/main" xmlns="">
                 <a:solidFill>
                   <a:srgbClr val="FFFFFF"/>
                 </a:solidFill>
@@ -3242,7 +3269,7 @@
           <a:blip r:embed="rId3">
             <a:extLst>
               <a:ext uri="{28A0092B-C50C-407E-A947-70E740481C1C}">
-                <a14:useLocalDpi xmlns:a14="http://schemas.microsoft.com/office/drawing/2010/main" val="0"/>
+                <a14:useLocalDpi xmlns:a14="http://schemas.microsoft.com/office/drawing/2010/main" xmlns:p="http://schemas.openxmlformats.org/presentationml/2006/main" xmlns:r="http://schemas.openxmlformats.org/officeDocument/2006/relationships" xmlns:a="http://schemas.openxmlformats.org/drawingml/2006/main" xmlns="" val="0"/>
               </a:ext>
             </a:extLst>
           </a:blip>
@@ -3262,7 +3289,7 @@
           <a:noFill/>
           <a:extLst>
             <a:ext uri="{909E8E84-426E-40DD-AFC4-6F175D3DCCD1}">
-              <a14:hiddenFill xmlns:a14="http://schemas.microsoft.com/office/drawing/2010/main">
+              <a14:hiddenFill xmlns:a14="http://schemas.microsoft.com/office/drawing/2010/main" xmlns:p="http://schemas.openxmlformats.org/presentationml/2006/main" xmlns:r="http://schemas.openxmlformats.org/officeDocument/2006/relationships" xmlns:a="http://schemas.openxmlformats.org/drawingml/2006/main" xmlns="">
                 <a:solidFill>
                   <a:srgbClr val="FFFFFF"/>
                 </a:solidFill>
@@ -3283,7 +3310,7 @@
           <a:blip r:embed="rId4">
             <a:extLst>
               <a:ext uri="{28A0092B-C50C-407E-A947-70E740481C1C}">
-                <a14:useLocalDpi xmlns:a14="http://schemas.microsoft.com/office/drawing/2010/main" val="0"/>
+                <a14:useLocalDpi xmlns:a14="http://schemas.microsoft.com/office/drawing/2010/main" xmlns:p="http://schemas.openxmlformats.org/presentationml/2006/main" xmlns:r="http://schemas.openxmlformats.org/officeDocument/2006/relationships" xmlns:a="http://schemas.openxmlformats.org/drawingml/2006/main" xmlns="" val="0"/>
               </a:ext>
             </a:extLst>
           </a:blip>
@@ -3303,7 +3330,7 @@
           <a:noFill/>
           <a:extLst>
             <a:ext uri="{909E8E84-426E-40DD-AFC4-6F175D3DCCD1}">
-              <a14:hiddenFill xmlns:a14="http://schemas.microsoft.com/office/drawing/2010/main">
+              <a14:hiddenFill xmlns:a14="http://schemas.microsoft.com/office/drawing/2010/main" xmlns:p="http://schemas.openxmlformats.org/presentationml/2006/main" xmlns:r="http://schemas.openxmlformats.org/officeDocument/2006/relationships" xmlns:a="http://schemas.openxmlformats.org/drawingml/2006/main" xmlns="">
                 <a:solidFill>
                   <a:srgbClr val="FFFFFF"/>
                 </a:solidFill>
@@ -3575,9 +3602,317 @@
     </p:spTree>
     <p:extLst>
       <p:ext uri="{BB962C8B-B14F-4D97-AF65-F5344CB8AC3E}">
-        <p14:creationId xmlns:p14="http://schemas.microsoft.com/office/powerpoint/2010/main" val="1062993296"/>
+        <p14:creationId xmlns:p14="http://schemas.microsoft.com/office/powerpoint/2010/main" xmlns:p="http://schemas.openxmlformats.org/presentationml/2006/main" xmlns:r="http://schemas.openxmlformats.org/officeDocument/2006/relationships" xmlns:a="http://schemas.openxmlformats.org/drawingml/2006/main" xmlns="" val="1062993296"/>
       </p:ext>
     </p:extLst>
+  </p:cSld>
+  <p:clrMapOvr>
+    <a:masterClrMapping/>
+  </p:clrMapOvr>
+</p:sld>
+</file>
+
+<file path=ppt/slides/slide2.xml><?xml version="1.0" encoding="utf-8"?>
+<p:sld xmlns:a="http://schemas.openxmlformats.org/drawingml/2006/main" xmlns:r="http://schemas.openxmlformats.org/officeDocument/2006/relationships" xmlns:mc="http://schemas.openxmlformats.org/markup-compatibility/2006" xmlns:mv="urn:schemas-microsoft-com:mac:vml" xmlns:p="http://schemas.openxmlformats.org/presentationml/2006/main" mc:Ignorable="mv" mc:PreserveAttributes="mv:*">
+  <p:cSld>
+    <p:spTree>
+      <p:nvGrpSpPr>
+        <p:cNvPr id="1" name=""/>
+        <p:cNvGrpSpPr/>
+        <p:nvPr/>
+      </p:nvGrpSpPr>
+      <p:grpSpPr>
+        <a:xfrm>
+          <a:off x="0" y="0"/>
+          <a:ext cx="0" cy="0"/>
+          <a:chOff x="0" y="0"/>
+          <a:chExt cx="0" cy="0"/>
+        </a:xfrm>
+      </p:grpSpPr>
+      <p:sp>
+        <p:nvSpPr>
+          <p:cNvPr id="2" name="Title 1"/>
+          <p:cNvSpPr>
+            <a:spLocks noGrp="1"/>
+          </p:cNvSpPr>
+          <p:nvPr>
+            <p:ph type="title"/>
+          </p:nvPr>
+        </p:nvSpPr>
+        <p:spPr/>
+        <p:txBody>
+          <a:bodyPr/>
+          <a:lstStyle/>
+          <a:p>
+            <a:r>
+              <a:rPr lang="en-US" dirty="0" smtClean="0"/>
+              <a:t>Problem Definition (The Math)</a:t>
+            </a:r>
+            <a:endParaRPr lang="en-US" dirty="0"/>
+          </a:p>
+        </p:txBody>
+      </p:sp>
+      <p:sp>
+        <p:nvSpPr>
+          <p:cNvPr id="3" name="Content Placeholder 2"/>
+          <p:cNvSpPr>
+            <a:spLocks noGrp="1"/>
+          </p:cNvSpPr>
+          <p:nvPr>
+            <p:ph idx="1"/>
+          </p:nvPr>
+        </p:nvSpPr>
+        <p:spPr/>
+        <p:txBody>
+          <a:bodyPr/>
+          <a:lstStyle/>
+          <a:p>
+            <a:endParaRPr lang="en-US"/>
+          </a:p>
+        </p:txBody>
+      </p:sp>
+    </p:spTree>
+  </p:cSld>
+  <p:clrMapOvr>
+    <a:masterClrMapping/>
+  </p:clrMapOvr>
+</p:sld>
+</file>
+
+<file path=ppt/slides/slide3.xml><?xml version="1.0" encoding="utf-8"?>
+<p:sld xmlns:a="http://schemas.openxmlformats.org/drawingml/2006/main" xmlns:r="http://schemas.openxmlformats.org/officeDocument/2006/relationships" xmlns:mc="http://schemas.openxmlformats.org/markup-compatibility/2006" xmlns:mv="urn:schemas-microsoft-com:mac:vml" xmlns:p="http://schemas.openxmlformats.org/presentationml/2006/main" mc:Ignorable="mv" mc:PreserveAttributes="mv:*">
+  <p:cSld>
+    <p:spTree>
+      <p:nvGrpSpPr>
+        <p:cNvPr id="1" name=""/>
+        <p:cNvGrpSpPr/>
+        <p:nvPr/>
+      </p:nvGrpSpPr>
+      <p:grpSpPr>
+        <a:xfrm>
+          <a:off x="0" y="0"/>
+          <a:ext cx="0" cy="0"/>
+          <a:chOff x="0" y="0"/>
+          <a:chExt cx="0" cy="0"/>
+        </a:xfrm>
+      </p:grpSpPr>
+      <p:sp>
+        <p:nvSpPr>
+          <p:cNvPr id="2" name="Title 1"/>
+          <p:cNvSpPr>
+            <a:spLocks noGrp="1"/>
+          </p:cNvSpPr>
+          <p:nvPr>
+            <p:ph type="title"/>
+          </p:nvPr>
+        </p:nvSpPr>
+        <p:spPr/>
+        <p:txBody>
+          <a:bodyPr/>
+          <a:lstStyle/>
+          <a:p>
+            <a:r>
+              <a:rPr lang="en-US" dirty="0" smtClean="0"/>
+              <a:t>Problem Definition (Example)</a:t>
+            </a:r>
+            <a:endParaRPr lang="en-US" dirty="0"/>
+          </a:p>
+        </p:txBody>
+      </p:sp>
+      <p:sp>
+        <p:nvSpPr>
+          <p:cNvPr id="3" name="Content Placeholder 2"/>
+          <p:cNvSpPr>
+            <a:spLocks noGrp="1"/>
+          </p:cNvSpPr>
+          <p:nvPr>
+            <p:ph idx="1"/>
+          </p:nvPr>
+        </p:nvSpPr>
+        <p:spPr/>
+        <p:txBody>
+          <a:bodyPr/>
+          <a:lstStyle/>
+          <a:p>
+            <a:r>
+              <a:rPr lang="en-US" dirty="0" smtClean="0"/>
+              <a:t>[Pictures: 3 versions of simulation output:</a:t>
+            </a:r>
+          </a:p>
+          <a:p>
+            <a:r>
+              <a:rPr lang="en-US" dirty="0" smtClean="0"/>
+              <a:t>1. Boxes drawn to show processor division with static grid and no load balancing</a:t>
+            </a:r>
+          </a:p>
+          <a:p>
+            <a:r>
+              <a:rPr lang="en-US" dirty="0" smtClean="0"/>
+              <a:t>2. Boxes drawn to show processor division with dynamic grid and load balancing around both particles and grid points (before collision)</a:t>
+            </a:r>
+          </a:p>
+          <a:p>
+            <a:r>
+              <a:rPr lang="en-US" dirty="0" smtClean="0"/>
+              <a:t>3. Boxes drawn to show processor division (after collision)</a:t>
+            </a:r>
+          </a:p>
+        </p:txBody>
+      </p:sp>
+    </p:spTree>
+  </p:cSld>
+  <p:clrMapOvr>
+    <a:masterClrMapping/>
+  </p:clrMapOvr>
+</p:sld>
+</file>
+
+<file path=ppt/slides/slide4.xml><?xml version="1.0" encoding="utf-8"?>
+<p:sld xmlns:a="http://schemas.openxmlformats.org/drawingml/2006/main" xmlns:r="http://schemas.openxmlformats.org/officeDocument/2006/relationships" xmlns:mc="http://schemas.openxmlformats.org/markup-compatibility/2006" xmlns:mv="urn:schemas-microsoft-com:mac:vml" xmlns:p="http://schemas.openxmlformats.org/presentationml/2006/main" mc:Ignorable="mv" mc:PreserveAttributes="mv:*">
+  <p:cSld>
+    <p:spTree>
+      <p:nvGrpSpPr>
+        <p:cNvPr id="1" name=""/>
+        <p:cNvGrpSpPr/>
+        <p:nvPr/>
+      </p:nvGrpSpPr>
+      <p:grpSpPr>
+        <a:xfrm>
+          <a:off x="0" y="0"/>
+          <a:ext cx="0" cy="0"/>
+          <a:chOff x="0" y="0"/>
+          <a:chExt cx="0" cy="0"/>
+        </a:xfrm>
+      </p:grpSpPr>
+      <p:sp>
+        <p:nvSpPr>
+          <p:cNvPr id="2" name="Title 1"/>
+          <p:cNvSpPr>
+            <a:spLocks noGrp="1"/>
+          </p:cNvSpPr>
+          <p:nvPr>
+            <p:ph type="title"/>
+          </p:nvPr>
+        </p:nvSpPr>
+        <p:spPr/>
+        <p:txBody>
+          <a:bodyPr/>
+          <a:lstStyle/>
+          <a:p>
+            <a:r>
+              <a:rPr lang="en-US" dirty="0" smtClean="0"/>
+              <a:t>Complexity Estimates	</a:t>
+            </a:r>
+            <a:endParaRPr lang="en-US" dirty="0"/>
+          </a:p>
+        </p:txBody>
+      </p:sp>
+      <p:sp>
+        <p:nvSpPr>
+          <p:cNvPr id="3" name="Content Placeholder 2"/>
+          <p:cNvSpPr>
+            <a:spLocks noGrp="1"/>
+          </p:cNvSpPr>
+          <p:nvPr>
+            <p:ph idx="1"/>
+          </p:nvPr>
+        </p:nvSpPr>
+        <p:spPr/>
+        <p:txBody>
+          <a:bodyPr>
+            <a:normAutofit lnSpcReduction="10000"/>
+          </a:bodyPr>
+          <a:lstStyle/>
+          <a:p>
+            <a:r>
+              <a:rPr lang="en-US" dirty="0" smtClean="0"/>
+              <a:t>G = number of grid points</a:t>
+            </a:r>
+          </a:p>
+          <a:p>
+            <a:r>
+              <a:rPr lang="en-US" dirty="0" smtClean="0"/>
+              <a:t>N</a:t>
+            </a:r>
+            <a:r>
+              <a:rPr lang="en-US" dirty="0" smtClean="0"/>
+              <a:t> = number of particles</a:t>
+            </a:r>
+          </a:p>
+          <a:p>
+            <a:r>
+              <a:rPr lang="en-US" dirty="0" smtClean="0"/>
+              <a:t>Sequential case:</a:t>
+            </a:r>
+          </a:p>
+          <a:p>
+            <a:pPr lvl="1"/>
+            <a:r>
+              <a:rPr lang="en-US" dirty="0" smtClean="0"/>
+              <a:t>Complexity = O(G+N)</a:t>
+            </a:r>
+          </a:p>
+          <a:p>
+            <a:r>
+              <a:rPr lang="en-US" dirty="0" smtClean="0"/>
+              <a:t>Parallel case:</a:t>
+            </a:r>
+          </a:p>
+          <a:p>
+            <a:pPr lvl="1"/>
+            <a:r>
+              <a:rPr lang="en-US" dirty="0" smtClean="0"/>
+              <a:t>Worst case: O(G/p+N) or O(G+N/</a:t>
+            </a:r>
+            <a:r>
+              <a:rPr lang="en-US" dirty="0" err="1" smtClean="0"/>
+              <a:t>p</a:t>
+            </a:r>
+            <a:r>
+              <a:rPr lang="en-US" dirty="0" smtClean="0"/>
+              <a:t>)</a:t>
+            </a:r>
+          </a:p>
+          <a:p>
+            <a:pPr lvl="2"/>
+            <a:r>
+              <a:rPr lang="en-US" dirty="0" smtClean="0"/>
+              <a:t>[Should never happen]</a:t>
+            </a:r>
+          </a:p>
+          <a:p>
+            <a:pPr lvl="1"/>
+            <a:r>
+              <a:rPr lang="en-US" dirty="0" smtClean="0"/>
+              <a:t>Best case: O((G+N)/</a:t>
+            </a:r>
+            <a:r>
+              <a:rPr lang="en-US" dirty="0" err="1" smtClean="0"/>
+              <a:t>p</a:t>
+            </a:r>
+            <a:r>
+              <a:rPr lang="en-US" dirty="0" smtClean="0"/>
+              <a:t>)</a:t>
+            </a:r>
+          </a:p>
+          <a:p>
+            <a:pPr lvl="2"/>
+            <a:r>
+              <a:rPr lang="en-US" dirty="0" smtClean="0"/>
+              <a:t>[Will rarely happen </a:t>
+            </a:r>
+            <a:r>
+              <a:rPr lang="en-US" smtClean="0"/>
+              <a:t>– embarrassingly </a:t>
+            </a:r>
+            <a:r>
+              <a:rPr lang="en-US" dirty="0" smtClean="0"/>
+              <a:t>parallel]</a:t>
+            </a:r>
+          </a:p>
+        </p:txBody>
+      </p:sp>
+    </p:spTree>
   </p:cSld>
   <p:clrMapOvr>
     <a:masterClrMapping/>

--- a/Dynogrid_ProgressReport_v1.pptx
+++ b/Dynogrid_ProgressReport_v1.pptx
@@ -6,9 +6,10 @@
   </p:sldMasterIdLst>
   <p:sldIdLst>
     <p:sldId id="256" r:id="rId2"/>
-    <p:sldId id="257" r:id="rId3"/>
-    <p:sldId id="258" r:id="rId4"/>
-    <p:sldId id="259" r:id="rId5"/>
+    <p:sldId id="260" r:id="rId3"/>
+    <p:sldId id="257" r:id="rId4"/>
+    <p:sldId id="258" r:id="rId5"/>
+    <p:sldId id="259" r:id="rId6"/>
   </p:sldIdLst>
   <p:sldSz cx="9144000" cy="6858000" type="screen4x3"/>
   <p:notesSz cx="6858000" cy="9144000"/>
@@ -3556,7 +3557,15 @@
           <a:p>
             <a:r>
               <a:rPr lang="en-US" dirty="0" smtClean="0"/>
-              <a:t>Particle in Cell Code with Adaptive Grid and Dynamic Load Balancing</a:t>
+              <a:t>Particle in Cell Code with Adaptive</a:t>
+            </a:r>
+            <a:r>
+              <a:rPr lang="en-US" dirty="0" smtClean="0"/>
+              <a:t> 3D Grid </a:t>
+            </a:r>
+            <a:r>
+              <a:rPr lang="en-US" dirty="0" smtClean="0"/>
+              <a:t>and Dynamic Load Balancing</a:t>
             </a:r>
           </a:p>
         </p:txBody>
@@ -3667,7 +3676,7 @@
           <a:bodyPr/>
           <a:lstStyle/>
           <a:p>
-            <a:endParaRPr lang="en-US"/>
+            <a:endParaRPr lang="en-US" dirty="0"/>
           </a:p>
         </p:txBody>
       </p:sp>
@@ -3729,32 +3738,170 @@
             <p:ph idx="1"/>
           </p:nvPr>
         </p:nvSpPr>
-        <p:spPr/>
-        <p:txBody>
-          <a:bodyPr/>
+        <p:spPr>
+          <a:xfrm>
+            <a:off x="457200" y="1341437"/>
+            <a:ext cx="8229600" cy="4906963"/>
+          </a:xfrm>
+        </p:spPr>
+        <p:txBody>
+          <a:bodyPr>
+            <a:normAutofit fontScale="62500" lnSpcReduction="20000"/>
+          </a:bodyPr>
           <a:lstStyle/>
           <a:p>
             <a:r>
               <a:rPr lang="en-US" dirty="0" smtClean="0"/>
-              <a:t>[Pictures: 3 versions of simulation output:</a:t>
-            </a:r>
-          </a:p>
-          <a:p>
+              <a:t>Start with a grid of maximum dimensions </a:t>
+            </a:r>
+            <a:r>
+              <a:rPr lang="en-US" dirty="0" err="1" smtClean="0"/>
+              <a:t>DxDxD</a:t>
+            </a:r>
+            <a:endParaRPr lang="en-US" dirty="0" smtClean="0"/>
+          </a:p>
+          <a:p>
+            <a:pPr lvl="1"/>
             <a:r>
               <a:rPr lang="en-US" dirty="0" smtClean="0"/>
-              <a:t>1. Boxes drawn to show processor division with static grid and no load balancing</a:t>
-            </a:r>
-          </a:p>
-          <a:p>
+              <a:t>A static grid would have D</a:t>
+            </a:r>
+            <a:r>
+              <a:rPr lang="en-US" baseline="30000" dirty="0" smtClean="0"/>
+              <a:t>3</a:t>
+            </a:r>
             <a:r>
               <a:rPr lang="en-US" dirty="0" smtClean="0"/>
-              <a:t>2. Boxes drawn to show processor division with dynamic grid and load balancing around both particles and grid points (before collision)</a:t>
-            </a:r>
-          </a:p>
-          <a:p>
+              <a:t> grid points</a:t>
+            </a:r>
+          </a:p>
+          <a:p>
+            <a:pPr lvl="1"/>
             <a:r>
               <a:rPr lang="en-US" dirty="0" smtClean="0"/>
-              <a:t>3. Boxes drawn to show processor division (after collision)</a:t>
+              <a:t>A </a:t>
+            </a:r>
+            <a:r>
+              <a:rPr lang="en-US" u="sng" dirty="0" smtClean="0"/>
+              <a:t>dynamic </a:t>
+            </a:r>
+            <a:r>
+              <a:rPr lang="en-US" dirty="0" smtClean="0"/>
+              <a:t>grid has a(D</a:t>
+            </a:r>
+            <a:r>
+              <a:rPr lang="en-US" baseline="30000" dirty="0" smtClean="0"/>
+              <a:t>3</a:t>
+            </a:r>
+            <a:r>
+              <a:rPr lang="en-US" dirty="0" smtClean="0"/>
+              <a:t>)+b((D/10)</a:t>
+            </a:r>
+            <a:r>
+              <a:rPr lang="en-US" baseline="30000" dirty="0" smtClean="0"/>
+              <a:t>3</a:t>
+            </a:r>
+            <a:r>
+              <a:rPr lang="en-US" dirty="0" smtClean="0"/>
+              <a:t>)+c((D/100)</a:t>
+            </a:r>
+            <a:r>
+              <a:rPr lang="en-US" baseline="30000" dirty="0" smtClean="0"/>
+              <a:t>3</a:t>
+            </a:r>
+            <a:r>
+              <a:rPr lang="en-US" dirty="0" smtClean="0"/>
+              <a:t>)… grid points, where a=% volume where highest resolution is required, </a:t>
+            </a:r>
+            <a:r>
+              <a:rPr lang="en-US" dirty="0" err="1" smtClean="0"/>
+              <a:t>b</a:t>
+            </a:r>
+            <a:r>
+              <a:rPr lang="en-US" dirty="0" smtClean="0"/>
+              <a:t>=% volume where second highest resolution is required, etc.</a:t>
+            </a:r>
+          </a:p>
+          <a:p>
+            <a:pPr lvl="1"/>
+            <a:r>
+              <a:rPr lang="en-US" dirty="0" smtClean="0"/>
+              <a:t>In our case a≈1/1000, </a:t>
+            </a:r>
+            <a:r>
+              <a:rPr lang="en-US" dirty="0" err="1" smtClean="0"/>
+              <a:t>b</a:t>
+            </a:r>
+            <a:r>
+              <a:rPr lang="en-US" dirty="0" smtClean="0"/>
+              <a:t>&lt;</a:t>
+            </a:r>
+            <a:r>
+              <a:rPr lang="en-US" dirty="0" smtClean="0"/>
+              <a:t>1 so we have O(D</a:t>
+            </a:r>
+            <a:r>
+              <a:rPr lang="en-US" baseline="30000" dirty="0" smtClean="0"/>
+              <a:t>3</a:t>
+            </a:r>
+            <a:r>
+              <a:rPr lang="en-US" dirty="0" smtClean="0"/>
+              <a:t>/1000) grid points (far less than O(D</a:t>
+            </a:r>
+            <a:r>
+              <a:rPr lang="en-US" baseline="30000" dirty="0" smtClean="0"/>
+              <a:t>3</a:t>
+            </a:r>
+            <a:r>
+              <a:rPr lang="en-US" dirty="0" smtClean="0"/>
+              <a:t>))</a:t>
+            </a:r>
+          </a:p>
+          <a:p>
+            <a:pPr lvl="1"/>
+            <a:r>
+              <a:rPr lang="en-US" dirty="0" smtClean="0"/>
+              <a:t>Summary: Most of our grid points are in a highly concentrated moving area, so updating grid values (while also updating particles) requires an intelligent load balancing algorithm</a:t>
+            </a:r>
+          </a:p>
+          <a:p>
+            <a:r>
+              <a:rPr lang="en-US" dirty="0" smtClean="0"/>
+              <a:t>Problem: load balancing</a:t>
+            </a:r>
+          </a:p>
+          <a:p>
+            <a:pPr lvl="1"/>
+            <a:r>
+              <a:rPr lang="en-US" dirty="0" smtClean="0"/>
+              <a:t>How to balance: Grid points? Particles? Both?</a:t>
+            </a:r>
+          </a:p>
+          <a:p>
+            <a:pPr lvl="1"/>
+            <a:r>
+              <a:rPr lang="en-US" dirty="0" smtClean="0"/>
+              <a:t>Answer: Get weighted calculation of current grid + particle load, Broadcast All2All load sizes, each grid point decides to either Give some load or Take some load</a:t>
+            </a:r>
+          </a:p>
+          <a:p>
+            <a:r>
+              <a:rPr lang="en-US" dirty="0" smtClean="0"/>
+              <a:t>Bigger problem: communication</a:t>
+            </a:r>
+          </a:p>
+          <a:p>
+            <a:pPr lvl="1"/>
+            <a:r>
+              <a:rPr lang="en-US" dirty="0" smtClean="0"/>
+              <a:t>How to most efficiently communicate load exchanges between processors at each time step?</a:t>
+            </a:r>
+          </a:p>
+          <a:p>
+            <a:pPr lvl="1"/>
+            <a:r>
+              <a:rPr lang="en-US" dirty="0" smtClean="0"/>
+              <a:t>Answer: Give or Take only with neighbors (doing this well is the tricky part)</a:t>
             </a:r>
           </a:p>
         </p:txBody>
@@ -3801,6 +3948,94 @@
           <a:p>
             <a:r>
               <a:rPr lang="en-US" dirty="0" smtClean="0"/>
+              <a:t>? Problem Definition (Example)</a:t>
+            </a:r>
+            <a:endParaRPr lang="en-US" dirty="0"/>
+          </a:p>
+        </p:txBody>
+      </p:sp>
+      <p:sp>
+        <p:nvSpPr>
+          <p:cNvPr id="3" name="Content Placeholder 2"/>
+          <p:cNvSpPr>
+            <a:spLocks noGrp="1"/>
+          </p:cNvSpPr>
+          <p:nvPr>
+            <p:ph idx="1"/>
+          </p:nvPr>
+        </p:nvSpPr>
+        <p:spPr/>
+        <p:txBody>
+          <a:bodyPr/>
+          <a:lstStyle/>
+          <a:p>
+            <a:r>
+              <a:rPr lang="en-US" dirty="0" smtClean="0"/>
+              <a:t>[Pictures: 3 versions of simulation output:</a:t>
+            </a:r>
+          </a:p>
+          <a:p>
+            <a:r>
+              <a:rPr lang="en-US" dirty="0" smtClean="0"/>
+              <a:t>1. Boxes drawn to show processor division with static grid and no load balancing</a:t>
+            </a:r>
+          </a:p>
+          <a:p>
+            <a:r>
+              <a:rPr lang="en-US" dirty="0" smtClean="0"/>
+              <a:t>2. Boxes drawn to show processor division with dynamic grid and load balancing around both particles and grid points (before collision)</a:t>
+            </a:r>
+          </a:p>
+          <a:p>
+            <a:r>
+              <a:rPr lang="en-US" dirty="0" smtClean="0"/>
+              <a:t>3. Boxes drawn to show processor division (after collision)</a:t>
+            </a:r>
+          </a:p>
+        </p:txBody>
+      </p:sp>
+    </p:spTree>
+  </p:cSld>
+  <p:clrMapOvr>
+    <a:masterClrMapping/>
+  </p:clrMapOvr>
+</p:sld>
+</file>
+
+<file path=ppt/slides/slide5.xml><?xml version="1.0" encoding="utf-8"?>
+<p:sld xmlns:a="http://schemas.openxmlformats.org/drawingml/2006/main" xmlns:r="http://schemas.openxmlformats.org/officeDocument/2006/relationships" xmlns:mc="http://schemas.openxmlformats.org/markup-compatibility/2006" xmlns:mv="urn:schemas-microsoft-com:mac:vml" xmlns:p="http://schemas.openxmlformats.org/presentationml/2006/main" mc:Ignorable="mv" mc:PreserveAttributes="mv:*">
+  <p:cSld>
+    <p:spTree>
+      <p:nvGrpSpPr>
+        <p:cNvPr id="1" name=""/>
+        <p:cNvGrpSpPr/>
+        <p:nvPr/>
+      </p:nvGrpSpPr>
+      <p:grpSpPr>
+        <a:xfrm>
+          <a:off x="0" y="0"/>
+          <a:ext cx="0" cy="0"/>
+          <a:chOff x="0" y="0"/>
+          <a:chExt cx="0" cy="0"/>
+        </a:xfrm>
+      </p:grpSpPr>
+      <p:sp>
+        <p:nvSpPr>
+          <p:cNvPr id="2" name="Title 1"/>
+          <p:cNvSpPr>
+            <a:spLocks noGrp="1"/>
+          </p:cNvSpPr>
+          <p:nvPr>
+            <p:ph type="title"/>
+          </p:nvPr>
+        </p:nvSpPr>
+        <p:spPr/>
+        <p:txBody>
+          <a:bodyPr/>
+          <a:lstStyle/>
+          <a:p>
+            <a:r>
+              <a:rPr lang="en-US" dirty="0" smtClean="0"/>
               <a:t>Complexity Estimates	</a:t>
             </a:r>
             <a:endParaRPr lang="en-US" dirty="0"/>
@@ -3899,15 +4134,7 @@
             <a:pPr lvl="2"/>
             <a:r>
               <a:rPr lang="en-US" dirty="0" smtClean="0"/>
-              <a:t>[Will rarely happen </a:t>
-            </a:r>
-            <a:r>
-              <a:rPr lang="en-US" smtClean="0"/>
-              <a:t>– embarrassingly </a:t>
-            </a:r>
-            <a:r>
-              <a:rPr lang="en-US" dirty="0" smtClean="0"/>
-              <a:t>parallel]</a:t>
+              <a:t>[Will rarely happen – embarrassingly parallel]</a:t>
             </a:r>
           </a:p>
         </p:txBody>

--- a/Dynogrid_ProgressReport_v1.pptx
+++ b/Dynogrid_ProgressReport_v1.pptx
@@ -10,6 +10,8 @@
     <p:sldId id="257" r:id="rId4"/>
     <p:sldId id="258" r:id="rId5"/>
     <p:sldId id="259" r:id="rId6"/>
+    <p:sldId id="262" r:id="rId7"/>
+    <p:sldId id="261" r:id="rId8"/>
   </p:sldIdLst>
   <p:sldSz cx="9144000" cy="6858000" type="screen4x3"/>
   <p:notesSz cx="6858000" cy="9144000"/>
@@ -3676,6 +3678,12 @@
           <a:bodyPr/>
           <a:lstStyle/>
           <a:p>
+            <a:r>
+              <a:rPr lang="en-US" dirty="0" smtClean="0"/>
+              <a:t>In theory, embarrassingly parallel is the goal – but a very difficult one</a:t>
+            </a:r>
+          </a:p>
+          <a:p>
             <a:endParaRPr lang="en-US" dirty="0"/>
           </a:p>
         </p:txBody>
@@ -3854,7 +3862,7 @@
             </a:r>
             <a:r>
               <a:rPr lang="en-US" dirty="0" smtClean="0"/>
-              <a:t>))</a:t>
+              <a:t>)), but in a concentrated area</a:t>
             </a:r>
           </a:p>
           <a:p>
@@ -3867,7 +3875,7 @@
           <a:p>
             <a:r>
               <a:rPr lang="en-US" dirty="0" smtClean="0"/>
-              <a:t>Problem: load balancing</a:t>
+              <a:t>Problem: Load balancing</a:t>
             </a:r>
           </a:p>
           <a:p>
@@ -3887,7 +3895,7 @@
           <a:p>
             <a:r>
               <a:rPr lang="en-US" dirty="0" smtClean="0"/>
-              <a:t>Bigger problem: communication</a:t>
+              <a:t>Bigger problem: Communication</a:t>
             </a:r>
           </a:p>
           <a:p>
@@ -4055,23 +4063,23 @@
         <p:spPr/>
         <p:txBody>
           <a:bodyPr>
-            <a:normAutofit lnSpcReduction="10000"/>
+            <a:normAutofit fontScale="92500" lnSpcReduction="10000"/>
           </a:bodyPr>
           <a:lstStyle/>
           <a:p>
             <a:r>
               <a:rPr lang="en-US" dirty="0" smtClean="0"/>
-              <a:t>G = number of grid points</a:t>
-            </a:r>
-          </a:p>
-          <a:p>
-            <a:r>
-              <a:rPr lang="en-US" dirty="0" smtClean="0"/>
               <a:t>N</a:t>
             </a:r>
             <a:r>
               <a:rPr lang="en-US" dirty="0" smtClean="0"/>
-              <a:t> = number of particles</a:t>
+              <a:t> = number of grid points</a:t>
+            </a:r>
+          </a:p>
+          <a:p>
+            <a:r>
+              <a:rPr lang="en-US" dirty="0" smtClean="0"/>
+              <a:t>M = number of particles</a:t>
             </a:r>
           </a:p>
           <a:p>
@@ -4084,7 +4092,15 @@
             <a:pPr lvl="1"/>
             <a:r>
               <a:rPr lang="en-US" dirty="0" smtClean="0"/>
-              <a:t>Complexity = O(G+N)</a:t>
+              <a:t>Complexity = O(N+</a:t>
+            </a:r>
+            <a:r>
+              <a:rPr lang="en-US" dirty="0" smtClean="0"/>
+              <a:t>M</a:t>
+            </a:r>
+            <a:r>
+              <a:rPr lang="en-US" dirty="0" smtClean="0"/>
+              <a:t>)</a:t>
             </a:r>
           </a:p>
           <a:p>
@@ -4097,7 +4113,15 @@
             <a:pPr lvl="1"/>
             <a:r>
               <a:rPr lang="en-US" dirty="0" smtClean="0"/>
-              <a:t>Worst case: O(G/p+N) or O(G+N/</a:t>
+              <a:t>Complexity = O((N+</a:t>
+            </a:r>
+            <a:r>
+              <a:rPr lang="en-US" dirty="0" smtClean="0"/>
+              <a:t>M</a:t>
+            </a:r>
+            <a:r>
+              <a:rPr lang="en-US" dirty="0" smtClean="0"/>
+              <a:t>)/</a:t>
             </a:r>
             <a:r>
               <a:rPr lang="en-US" dirty="0" err="1" smtClean="0"/>
@@ -4105,37 +4129,206 @@
             </a:r>
             <a:r>
               <a:rPr lang="en-US" dirty="0" smtClean="0"/>
-              <a:t>)</a:t>
+              <a:t> + (</a:t>
+            </a:r>
+            <a:r>
+              <a:rPr lang="en-US" dirty="0" err="1" smtClean="0"/>
+              <a:t>l+M/√(p)b</a:t>
+            </a:r>
+            <a:r>
+              <a:rPr lang="en-US" dirty="0" smtClean="0"/>
+              <a:t>) + </a:t>
             </a:r>
           </a:p>
           <a:p>
             <a:pPr lvl="2"/>
             <a:r>
               <a:rPr lang="en-US" dirty="0" smtClean="0"/>
-              <a:t>[Should never happen]</a:t>
-            </a:r>
-          </a:p>
-          <a:p>
-            <a:pPr lvl="1"/>
-            <a:r>
-              <a:rPr lang="en-US" dirty="0" smtClean="0"/>
-              <a:t>Best case: O((G+N)/</a:t>
+              <a:t>Second term = swapping particles between processors as they move</a:t>
+            </a:r>
+          </a:p>
+          <a:p>
+            <a:pPr lvl="2"/>
+            <a:r>
+              <a:rPr lang="en-US" dirty="0" smtClean="0"/>
+              <a:t>Third term = Load balancing, i.e. intelligently Give or Take grid points</a:t>
+            </a:r>
+          </a:p>
+        </p:txBody>
+      </p:sp>
+    </p:spTree>
+  </p:cSld>
+  <p:clrMapOvr>
+    <a:masterClrMapping/>
+  </p:clrMapOvr>
+</p:sld>
+</file>
+
+<file path=ppt/slides/slide6.xml><?xml version="1.0" encoding="utf-8"?>
+<p:sld xmlns:a="http://schemas.openxmlformats.org/drawingml/2006/main" xmlns:r="http://schemas.openxmlformats.org/officeDocument/2006/relationships" xmlns:mc="http://schemas.openxmlformats.org/markup-compatibility/2006" xmlns:mv="urn:schemas-microsoft-com:mac:vml" xmlns:p="http://schemas.openxmlformats.org/presentationml/2006/main" mc:Ignorable="mv" mc:PreserveAttributes="mv:*">
+  <p:cSld>
+    <p:spTree>
+      <p:nvGrpSpPr>
+        <p:cNvPr id="1" name=""/>
+        <p:cNvGrpSpPr/>
+        <p:nvPr/>
+      </p:nvGrpSpPr>
+      <p:grpSpPr>
+        <a:xfrm>
+          <a:off x="0" y="0"/>
+          <a:ext cx="0" cy="0"/>
+          <a:chOff x="0" y="0"/>
+          <a:chExt cx="0" cy="0"/>
+        </a:xfrm>
+      </p:grpSpPr>
+      <p:sp>
+        <p:nvSpPr>
+          <p:cNvPr id="2" name="Title 1"/>
+          <p:cNvSpPr>
+            <a:spLocks noGrp="1"/>
+          </p:cNvSpPr>
+          <p:nvPr>
+            <p:ph type="title"/>
+          </p:nvPr>
+        </p:nvSpPr>
+        <p:spPr/>
+        <p:txBody>
+          <a:bodyPr/>
+          <a:lstStyle/>
+          <a:p>
+            <a:r>
+              <a:rPr lang="en-US" dirty="0" smtClean="0"/>
+              <a:t>High-level </a:t>
             </a:r>
             <a:r>
               <a:rPr lang="en-US" dirty="0" err="1" smtClean="0"/>
-              <a:t>p</a:t>
-            </a:r>
-            <a:r>
-              <a:rPr lang="en-US" dirty="0" smtClean="0"/>
-              <a:t>)</a:t>
-            </a:r>
-          </a:p>
-          <a:p>
-            <a:pPr lvl="2"/>
-            <a:r>
-              <a:rPr lang="en-US" dirty="0" smtClean="0"/>
-              <a:t>[Will rarely happen – embarrassingly parallel]</a:t>
-            </a:r>
+              <a:t>Pseudocode</a:t>
+            </a:r>
+            <a:endParaRPr lang="en-US" dirty="0"/>
+          </a:p>
+        </p:txBody>
+      </p:sp>
+      <p:sp>
+        <p:nvSpPr>
+          <p:cNvPr id="3" name="Content Placeholder 2"/>
+          <p:cNvSpPr>
+            <a:spLocks noGrp="1"/>
+          </p:cNvSpPr>
+          <p:nvPr>
+            <p:ph idx="1"/>
+          </p:nvPr>
+        </p:nvSpPr>
+        <p:spPr/>
+        <p:txBody>
+          <a:bodyPr/>
+          <a:lstStyle/>
+          <a:p>
+            <a:endParaRPr lang="en-US"/>
+          </a:p>
+        </p:txBody>
+      </p:sp>
+    </p:spTree>
+  </p:cSld>
+  <p:clrMapOvr>
+    <a:masterClrMapping/>
+  </p:clrMapOvr>
+</p:sld>
+</file>
+
+<file path=ppt/slides/slide7.xml><?xml version="1.0" encoding="utf-8"?>
+<p:sld xmlns:a="http://schemas.openxmlformats.org/drawingml/2006/main" xmlns:r="http://schemas.openxmlformats.org/officeDocument/2006/relationships" xmlns:mc="http://schemas.openxmlformats.org/markup-compatibility/2006" xmlns:mv="urn:schemas-microsoft-com:mac:vml" xmlns:p="http://schemas.openxmlformats.org/presentationml/2006/main" mc:Ignorable="mv" mc:PreserveAttributes="mv:*">
+  <p:cSld>
+    <p:spTree>
+      <p:nvGrpSpPr>
+        <p:cNvPr id="1" name=""/>
+        <p:cNvGrpSpPr/>
+        <p:nvPr/>
+      </p:nvGrpSpPr>
+      <p:grpSpPr>
+        <a:xfrm>
+          <a:off x="0" y="0"/>
+          <a:ext cx="0" cy="0"/>
+          <a:chOff x="0" y="0"/>
+          <a:chExt cx="0" cy="0"/>
+        </a:xfrm>
+      </p:grpSpPr>
+      <p:sp>
+        <p:nvSpPr>
+          <p:cNvPr id="2" name="Title 1"/>
+          <p:cNvSpPr>
+            <a:spLocks noGrp="1"/>
+          </p:cNvSpPr>
+          <p:nvPr>
+            <p:ph type="title"/>
+          </p:nvPr>
+        </p:nvSpPr>
+        <p:spPr/>
+        <p:txBody>
+          <a:bodyPr/>
+          <a:lstStyle/>
+          <a:p>
+            <a:r>
+              <a:rPr lang="en-US" dirty="0" smtClean="0"/>
+              <a:t>Goals</a:t>
+            </a:r>
+            <a:endParaRPr lang="en-US" dirty="0"/>
+          </a:p>
+        </p:txBody>
+      </p:sp>
+      <p:sp>
+        <p:nvSpPr>
+          <p:cNvPr id="3" name="Content Placeholder 2"/>
+          <p:cNvSpPr>
+            <a:spLocks noGrp="1"/>
+          </p:cNvSpPr>
+          <p:nvPr>
+            <p:ph idx="1"/>
+          </p:nvPr>
+        </p:nvSpPr>
+        <p:spPr/>
+        <p:txBody>
+          <a:bodyPr/>
+          <a:lstStyle/>
+          <a:p>
+            <a:r>
+              <a:rPr lang="en-US" dirty="0" smtClean="0"/>
+              <a:t>Fully distributed memory</a:t>
+            </a:r>
+          </a:p>
+          <a:p>
+            <a:r>
+              <a:rPr lang="en-US" dirty="0" smtClean="0"/>
+              <a:t>MPI communication</a:t>
+            </a:r>
+          </a:p>
+          <a:p>
+            <a:r>
+              <a:rPr lang="en-US" dirty="0" smtClean="0"/>
+              <a:t>Build </a:t>
+            </a:r>
+            <a:r>
+              <a:rPr lang="en-US" dirty="0" err="1" smtClean="0"/>
+              <a:t>octtrees</a:t>
+            </a:r>
+            <a:r>
+              <a:rPr lang="en-US" dirty="0" smtClean="0"/>
+              <a:t> for adaptive grid, may use </a:t>
+            </a:r>
+            <a:r>
+              <a:rPr lang="en-US" dirty="0" smtClean="0"/>
+              <a:t>M</a:t>
+            </a:r>
+            <a:r>
+              <a:rPr lang="en-US" dirty="0" smtClean="0"/>
+              <a:t>orton ids if deemed useful</a:t>
+            </a:r>
+          </a:p>
+          <a:p>
+            <a:r>
+              <a:rPr lang="en-US" dirty="0" smtClean="0"/>
+              <a:t>Possibly add more accurate physics – there is lots of flexibility here, depending on the time available</a:t>
+            </a:r>
+            <a:endParaRPr lang="en-US" dirty="0"/>
           </a:p>
         </p:txBody>
       </p:sp>

--- a/Dynogrid_ProgressReport_v1.pptx
+++ b/Dynogrid_ProgressReport_v1.pptx
@@ -8,10 +8,9 @@
     <p:sldId id="256" r:id="rId2"/>
     <p:sldId id="260" r:id="rId3"/>
     <p:sldId id="257" r:id="rId4"/>
-    <p:sldId id="258" r:id="rId5"/>
-    <p:sldId id="259" r:id="rId6"/>
-    <p:sldId id="262" r:id="rId7"/>
-    <p:sldId id="261" r:id="rId8"/>
+    <p:sldId id="259" r:id="rId5"/>
+    <p:sldId id="262" r:id="rId6"/>
+    <p:sldId id="261" r:id="rId7"/>
   </p:sldIdLst>
   <p:sldSz cx="9144000" cy="6858000" type="screen4x3"/>
   <p:notesSz cx="6858000" cy="9144000"/>
@@ -3657,7 +3656,7 @@
           <a:p>
             <a:r>
               <a:rPr lang="en-US" dirty="0" smtClean="0"/>
-              <a:t>Problem Definition (The Math)</a:t>
+              <a:t>Problem Definition (Theory)</a:t>
             </a:r>
             <a:endParaRPr lang="en-US" dirty="0"/>
           </a:p>
@@ -3680,10 +3679,44 @@
           <a:p>
             <a:r>
               <a:rPr lang="en-US" dirty="0" smtClean="0"/>
-              <a:t>In theory, embarrassingly parallel is the goal – but a very difficult one</a:t>
-            </a:r>
-          </a:p>
-          <a:p>
+              <a:t>Ultimate problem is the communication costs of load balancing</a:t>
+            </a:r>
+          </a:p>
+          <a:p>
+            <a:r>
+              <a:rPr lang="en-US" dirty="0" smtClean="0"/>
+              <a:t>Since distributed memory, only communicating with nearest neighbors is reasonable</a:t>
+            </a:r>
+          </a:p>
+          <a:p>
+            <a:r>
+              <a:rPr lang="en-US" dirty="0" smtClean="0"/>
+              <a:t>Takes p</a:t>
+            </a:r>
+            <a:r>
+              <a:rPr lang="en-US" baseline="30000" dirty="0" smtClean="0"/>
+              <a:t>1/3</a:t>
+            </a:r>
+            <a:r>
+              <a:rPr lang="en-US" dirty="0" smtClean="0"/>
+              <a:t> iterations for information to disseminate (p</a:t>
+            </a:r>
+            <a:r>
+              <a:rPr lang="en-US" baseline="30000" dirty="0" smtClean="0"/>
+              <a:t>1/3</a:t>
+            </a:r>
+            <a:r>
+              <a:rPr lang="en-US" dirty="0" smtClean="0"/>
+              <a:t> = # </a:t>
+            </a:r>
+            <a:r>
+              <a:rPr lang="en-US" dirty="0" err="1" smtClean="0"/>
+              <a:t>procs</a:t>
+            </a:r>
+            <a:r>
+              <a:rPr lang="en-US" dirty="0" smtClean="0"/>
+              <a:t> in one dimension in 3D)</a:t>
+            </a:r>
             <a:endParaRPr lang="en-US" dirty="0"/>
           </a:p>
         </p:txBody>
@@ -3730,7 +3763,7 @@
           <a:p>
             <a:r>
               <a:rPr lang="en-US" dirty="0" smtClean="0"/>
-              <a:t>Problem Definition (Example)</a:t>
+              <a:t>Problem Definition (Specifics)</a:t>
             </a:r>
             <a:endParaRPr lang="en-US" dirty="0"/>
           </a:p>
@@ -3956,7 +3989,7 @@
           <a:p>
             <a:r>
               <a:rPr lang="en-US" dirty="0" smtClean="0"/>
-              <a:t>? Problem Definition (Example)</a:t>
+              <a:t>Complexity Estimates	</a:t>
             </a:r>
             <a:endParaRPr lang="en-US" dirty="0"/>
           </a:p>
@@ -3974,30 +4007,96 @@
         </p:nvSpPr>
         <p:spPr/>
         <p:txBody>
-          <a:bodyPr/>
-          <a:lstStyle/>
-          <a:p>
-            <a:r>
-              <a:rPr lang="en-US" dirty="0" smtClean="0"/>
-              <a:t>[Pictures: 3 versions of simulation output:</a:t>
-            </a:r>
-          </a:p>
-          <a:p>
-            <a:r>
-              <a:rPr lang="en-US" dirty="0" smtClean="0"/>
-              <a:t>1. Boxes drawn to show processor division with static grid and no load balancing</a:t>
-            </a:r>
-          </a:p>
-          <a:p>
-            <a:r>
-              <a:rPr lang="en-US" dirty="0" smtClean="0"/>
-              <a:t>2. Boxes drawn to show processor division with dynamic grid and load balancing around both particles and grid points (before collision)</a:t>
-            </a:r>
-          </a:p>
-          <a:p>
-            <a:r>
-              <a:rPr lang="en-US" dirty="0" smtClean="0"/>
-              <a:t>3. Boxes drawn to show processor division (after collision)</a:t>
+          <a:bodyPr>
+            <a:normAutofit fontScale="92500" lnSpcReduction="10000"/>
+          </a:bodyPr>
+          <a:lstStyle/>
+          <a:p>
+            <a:r>
+              <a:rPr lang="en-US" dirty="0" smtClean="0"/>
+              <a:t>N</a:t>
+            </a:r>
+            <a:r>
+              <a:rPr lang="en-US" dirty="0" smtClean="0"/>
+              <a:t> = number of grid points</a:t>
+            </a:r>
+          </a:p>
+          <a:p>
+            <a:r>
+              <a:rPr lang="en-US" dirty="0" smtClean="0"/>
+              <a:t>M = number of particles</a:t>
+            </a:r>
+          </a:p>
+          <a:p>
+            <a:r>
+              <a:rPr lang="en-US" dirty="0" smtClean="0"/>
+              <a:t>Sequential case:</a:t>
+            </a:r>
+          </a:p>
+          <a:p>
+            <a:pPr lvl="1"/>
+            <a:r>
+              <a:rPr lang="en-US" dirty="0" smtClean="0"/>
+              <a:t>Complexity = O(N+</a:t>
+            </a:r>
+            <a:r>
+              <a:rPr lang="en-US" dirty="0" smtClean="0"/>
+              <a:t>M</a:t>
+            </a:r>
+            <a:r>
+              <a:rPr lang="en-US" dirty="0" smtClean="0"/>
+              <a:t>)</a:t>
+            </a:r>
+          </a:p>
+          <a:p>
+            <a:r>
+              <a:rPr lang="en-US" dirty="0" smtClean="0"/>
+              <a:t>Parallel case:</a:t>
+            </a:r>
+          </a:p>
+          <a:p>
+            <a:pPr lvl="1"/>
+            <a:r>
+              <a:rPr lang="en-US" dirty="0" smtClean="0"/>
+              <a:t>Complexity = O((N+</a:t>
+            </a:r>
+            <a:r>
+              <a:rPr lang="en-US" dirty="0" smtClean="0"/>
+              <a:t>M</a:t>
+            </a:r>
+            <a:r>
+              <a:rPr lang="en-US" dirty="0" smtClean="0"/>
+              <a:t>)/</a:t>
+            </a:r>
+            <a:r>
+              <a:rPr lang="en-US" dirty="0" err="1" smtClean="0"/>
+              <a:t>p</a:t>
+            </a:r>
+            <a:r>
+              <a:rPr lang="en-US" dirty="0" smtClean="0"/>
+              <a:t> + (l+M/(p</a:t>
+            </a:r>
+            <a:r>
+              <a:rPr lang="en-US" baseline="30000" dirty="0" smtClean="0"/>
+              <a:t>2/3</a:t>
+            </a:r>
+            <a:r>
+              <a:rPr lang="en-US" dirty="0" smtClean="0"/>
+              <a:t>)b) + </a:t>
+            </a:r>
+          </a:p>
+          <a:p>
+            <a:pPr lvl="2"/>
+            <a:r>
+              <a:rPr lang="en-US" dirty="0" smtClean="0"/>
+              <a:t>Second term = swapping particles between processors as they move</a:t>
+            </a:r>
+          </a:p>
+          <a:p>
+            <a:pPr lvl="2"/>
+            <a:r>
+              <a:rPr lang="en-US" dirty="0" smtClean="0"/>
+              <a:t>Third term = Load balancing, i.e. intelligently Give or Take grid points</a:t>
             </a:r>
           </a:p>
         </p:txBody>
@@ -4044,7 +4143,11 @@
           <a:p>
             <a:r>
               <a:rPr lang="en-US" dirty="0" smtClean="0"/>
-              <a:t>Complexity Estimates	</a:t>
+              <a:t>High-level </a:t>
+            </a:r>
+            <a:r>
+              <a:rPr lang="en-US" dirty="0" err="1" smtClean="0"/>
+              <a:t>Pseudocode</a:t>
             </a:r>
             <a:endParaRPr lang="en-US" dirty="0"/>
           </a:p>
@@ -4062,97 +4165,10 @@
         </p:nvSpPr>
         <p:spPr/>
         <p:txBody>
-          <a:bodyPr>
-            <a:normAutofit fontScale="92500" lnSpcReduction="10000"/>
-          </a:bodyPr>
-          <a:lstStyle/>
-          <a:p>
-            <a:r>
-              <a:rPr lang="en-US" dirty="0" smtClean="0"/>
-              <a:t>N</a:t>
-            </a:r>
-            <a:r>
-              <a:rPr lang="en-US" dirty="0" smtClean="0"/>
-              <a:t> = number of grid points</a:t>
-            </a:r>
-          </a:p>
-          <a:p>
-            <a:r>
-              <a:rPr lang="en-US" dirty="0" smtClean="0"/>
-              <a:t>M = number of particles</a:t>
-            </a:r>
-          </a:p>
-          <a:p>
-            <a:r>
-              <a:rPr lang="en-US" dirty="0" smtClean="0"/>
-              <a:t>Sequential case:</a:t>
-            </a:r>
-          </a:p>
-          <a:p>
-            <a:pPr lvl="1"/>
-            <a:r>
-              <a:rPr lang="en-US" dirty="0" smtClean="0"/>
-              <a:t>Complexity = O(N+</a:t>
-            </a:r>
-            <a:r>
-              <a:rPr lang="en-US" dirty="0" smtClean="0"/>
-              <a:t>M</a:t>
-            </a:r>
-            <a:r>
-              <a:rPr lang="en-US" dirty="0" smtClean="0"/>
-              <a:t>)</a:t>
-            </a:r>
-          </a:p>
-          <a:p>
-            <a:r>
-              <a:rPr lang="en-US" dirty="0" smtClean="0"/>
-              <a:t>Parallel case:</a:t>
-            </a:r>
-          </a:p>
-          <a:p>
-            <a:pPr lvl="1"/>
-            <a:r>
-              <a:rPr lang="en-US" dirty="0" smtClean="0"/>
-              <a:t>Complexity = O((N+</a:t>
-            </a:r>
-            <a:r>
-              <a:rPr lang="en-US" dirty="0" smtClean="0"/>
-              <a:t>M</a:t>
-            </a:r>
-            <a:r>
-              <a:rPr lang="en-US" dirty="0" smtClean="0"/>
-              <a:t>)/</a:t>
-            </a:r>
-            <a:r>
-              <a:rPr lang="en-US" dirty="0" err="1" smtClean="0"/>
-              <a:t>p</a:t>
-            </a:r>
-            <a:r>
-              <a:rPr lang="en-US" dirty="0" smtClean="0"/>
-              <a:t> + (</a:t>
-            </a:r>
-            <a:r>
-              <a:rPr lang="en-US" dirty="0" err="1" smtClean="0"/>
-              <a:t>l+M/√(p)b</a:t>
-            </a:r>
-            <a:r>
-              <a:rPr lang="en-US" dirty="0" smtClean="0"/>
-              <a:t>) + </a:t>
-            </a:r>
-          </a:p>
-          <a:p>
-            <a:pPr lvl="2"/>
-            <a:r>
-              <a:rPr lang="en-US" dirty="0" smtClean="0"/>
-              <a:t>Second term = swapping particles between processors as they move</a:t>
-            </a:r>
-          </a:p>
-          <a:p>
-            <a:pPr lvl="2"/>
-            <a:r>
-              <a:rPr lang="en-US" dirty="0" smtClean="0"/>
-              <a:t>Third term = Load balancing, i.e. intelligently Give or Take grid points</a:t>
-            </a:r>
+          <a:bodyPr/>
+          <a:lstStyle/>
+          <a:p>
+            <a:endParaRPr lang="en-US" dirty="0"/>
           </a:p>
         </p:txBody>
       </p:sp>
@@ -4198,11 +4214,7 @@
           <a:p>
             <a:r>
               <a:rPr lang="en-US" dirty="0" smtClean="0"/>
-              <a:t>High-level </a:t>
-            </a:r>
-            <a:r>
-              <a:rPr lang="en-US" dirty="0" err="1" smtClean="0"/>
-              <a:t>Pseudocode</a:t>
+              <a:t>Goals</a:t>
             </a:r>
             <a:endParaRPr lang="en-US" dirty="0"/>
           </a:p>
@@ -4220,74 +4232,9 @@
         </p:nvSpPr>
         <p:spPr/>
         <p:txBody>
-          <a:bodyPr/>
-          <a:lstStyle/>
-          <a:p>
-            <a:endParaRPr lang="en-US"/>
-          </a:p>
-        </p:txBody>
-      </p:sp>
-    </p:spTree>
-  </p:cSld>
-  <p:clrMapOvr>
-    <a:masterClrMapping/>
-  </p:clrMapOvr>
-</p:sld>
-</file>
-
-<file path=ppt/slides/slide7.xml><?xml version="1.0" encoding="utf-8"?>
-<p:sld xmlns:a="http://schemas.openxmlformats.org/drawingml/2006/main" xmlns:r="http://schemas.openxmlformats.org/officeDocument/2006/relationships" xmlns:mc="http://schemas.openxmlformats.org/markup-compatibility/2006" xmlns:mv="urn:schemas-microsoft-com:mac:vml" xmlns:p="http://schemas.openxmlformats.org/presentationml/2006/main" mc:Ignorable="mv" mc:PreserveAttributes="mv:*">
-  <p:cSld>
-    <p:spTree>
-      <p:nvGrpSpPr>
-        <p:cNvPr id="1" name=""/>
-        <p:cNvGrpSpPr/>
-        <p:nvPr/>
-      </p:nvGrpSpPr>
-      <p:grpSpPr>
-        <a:xfrm>
-          <a:off x="0" y="0"/>
-          <a:ext cx="0" cy="0"/>
-          <a:chOff x="0" y="0"/>
-          <a:chExt cx="0" cy="0"/>
-        </a:xfrm>
-      </p:grpSpPr>
-      <p:sp>
-        <p:nvSpPr>
-          <p:cNvPr id="2" name="Title 1"/>
-          <p:cNvSpPr>
-            <a:spLocks noGrp="1"/>
-          </p:cNvSpPr>
-          <p:nvPr>
-            <p:ph type="title"/>
-          </p:nvPr>
-        </p:nvSpPr>
-        <p:spPr/>
-        <p:txBody>
-          <a:bodyPr/>
-          <a:lstStyle/>
-          <a:p>
-            <a:r>
-              <a:rPr lang="en-US" dirty="0" smtClean="0"/>
-              <a:t>Goals</a:t>
-            </a:r>
-            <a:endParaRPr lang="en-US" dirty="0"/>
-          </a:p>
-        </p:txBody>
-      </p:sp>
-      <p:sp>
-        <p:nvSpPr>
-          <p:cNvPr id="3" name="Content Placeholder 2"/>
-          <p:cNvSpPr>
-            <a:spLocks noGrp="1"/>
-          </p:cNvSpPr>
-          <p:nvPr>
-            <p:ph idx="1"/>
-          </p:nvPr>
-        </p:nvSpPr>
-        <p:spPr/>
-        <p:txBody>
-          <a:bodyPr/>
+          <a:bodyPr>
+            <a:normAutofit lnSpcReduction="10000"/>
+          </a:bodyPr>
           <a:lstStyle/>
           <a:p>
             <a:r>
@@ -4327,6 +4274,12 @@
             <a:r>
               <a:rPr lang="en-US" dirty="0" smtClean="0"/>
               <a:t>Possibly add more accurate physics – there is lots of flexibility here, depending on the time available</a:t>
+            </a:r>
+          </a:p>
+          <a:p>
+            <a:r>
+              <a:rPr lang="en-US" dirty="0" smtClean="0"/>
+              <a:t>Get reasonably close to embarrassingly parallel</a:t>
             </a:r>
             <a:endParaRPr lang="en-US" dirty="0"/>
           </a:p>

--- a/Dynogrid_ProgressReport_v1.pptx
+++ b/Dynogrid_ProgressReport_v1.pptx
@@ -3674,7 +3674,9 @@
         </p:nvSpPr>
         <p:spPr/>
         <p:txBody>
-          <a:bodyPr/>
+          <a:bodyPr>
+            <a:normAutofit/>
+          </a:bodyPr>
           <a:lstStyle/>
           <a:p>
             <a:r>
@@ -3685,7 +3687,7 @@
           <a:p>
             <a:r>
               <a:rPr lang="en-US" dirty="0" smtClean="0"/>
-              <a:t>Since distributed memory, only communicating with nearest neighbors is reasonable</a:t>
+              <a:t>Since distributed memory (due to problem size), only communicating with nearest neighbors is reasonable</a:t>
             </a:r>
           </a:p>
           <a:p>
@@ -3717,7 +3719,6 @@
               <a:rPr lang="en-US" dirty="0" smtClean="0"/>
               <a:t> in one dimension in 3D)</a:t>
             </a:r>
-            <a:endParaRPr lang="en-US" dirty="0"/>
           </a:p>
         </p:txBody>
       </p:sp>
@@ -3787,25 +3788,28 @@
         </p:spPr>
         <p:txBody>
           <a:bodyPr>
-            <a:normAutofit fontScale="62500" lnSpcReduction="20000"/>
+            <a:normAutofit fontScale="70000" lnSpcReduction="20000"/>
           </a:bodyPr>
           <a:lstStyle/>
           <a:p>
             <a:r>
               <a:rPr lang="en-US" dirty="0" smtClean="0"/>
-              <a:t>Start with a grid of maximum dimensions </a:t>
-            </a:r>
-            <a:r>
-              <a:rPr lang="en-US" dirty="0" err="1" smtClean="0"/>
-              <a:t>DxDxD</a:t>
-            </a:r>
-            <a:endParaRPr lang="en-US" dirty="0" smtClean="0"/>
+              <a:t>Start with a 3-dimensional grid</a:t>
+            </a:r>
           </a:p>
           <a:p>
             <a:pPr lvl="1"/>
             <a:r>
               <a:rPr lang="en-US" dirty="0" smtClean="0"/>
-              <a:t>A static grid would have D</a:t>
+              <a:t>If </a:t>
+            </a:r>
+            <a:r>
+              <a:rPr lang="en-US" u="sng" dirty="0" smtClean="0"/>
+              <a:t>D is the finest resolution per dimension</a:t>
+            </a:r>
+            <a:r>
+              <a:rPr lang="en-US" dirty="0" smtClean="0"/>
+              <a:t>, a static grid would have D</a:t>
             </a:r>
             <a:r>
               <a:rPr lang="en-US" baseline="30000" dirty="0" smtClean="0"/>
@@ -3820,15 +3824,21 @@
             <a:pPr lvl="1"/>
             <a:r>
               <a:rPr lang="en-US" dirty="0" smtClean="0"/>
-              <a:t>A </a:t>
-            </a:r>
-            <a:r>
-              <a:rPr lang="en-US" u="sng" dirty="0" smtClean="0"/>
-              <a:t>dynamic </a:t>
-            </a:r>
-            <a:r>
-              <a:rPr lang="en-US" dirty="0" smtClean="0"/>
-              <a:t>grid has a(D</a:t>
+              <a:t>In real world, D ≈ 1,000,000 ; This is unmanageable</a:t>
+            </a:r>
+          </a:p>
+          <a:p>
+            <a:pPr lvl="1"/>
+            <a:r>
+              <a:rPr lang="en-US" dirty="0" smtClean="0"/>
+              <a:t>A dynamic grid only requires D resolution in small portion of the grid</a:t>
+            </a:r>
+          </a:p>
+          <a:p>
+            <a:pPr lvl="1"/>
+            <a:r>
+              <a:rPr lang="en-US" dirty="0" smtClean="0"/>
+              <a:t>For us: D ≈ 100 (D</a:t>
             </a:r>
             <a:r>
               <a:rPr lang="en-US" baseline="30000" dirty="0" smtClean="0"/>
@@ -3836,99 +3846,34 @@
             </a:r>
             <a:r>
               <a:rPr lang="en-US" dirty="0" smtClean="0"/>
-              <a:t>)+b((D/10)</a:t>
-            </a:r>
-            <a:r>
-              <a:rPr lang="en-US" baseline="30000" dirty="0" smtClean="0"/>
-              <a:t>3</a:t>
-            </a:r>
-            <a:r>
-              <a:rPr lang="en-US" dirty="0" smtClean="0"/>
-              <a:t>)+c((D/100)</a:t>
-            </a:r>
-            <a:r>
-              <a:rPr lang="en-US" baseline="30000" dirty="0" smtClean="0"/>
-              <a:t>3</a:t>
-            </a:r>
-            <a:r>
-              <a:rPr lang="en-US" dirty="0" smtClean="0"/>
-              <a:t>)… grid points, where a=% volume where highest resolution is required, </a:t>
-            </a:r>
-            <a:r>
-              <a:rPr lang="en-US" dirty="0" err="1" smtClean="0"/>
-              <a:t>b</a:t>
-            </a:r>
-            <a:r>
-              <a:rPr lang="en-US" dirty="0" smtClean="0"/>
-              <a:t>=% volume where second highest resolution is required, etc.</a:t>
+              <a:t> ≈ 1,000,000), but only in ≈1/1,000 of the grid</a:t>
             </a:r>
           </a:p>
           <a:p>
             <a:pPr lvl="1"/>
             <a:r>
               <a:rPr lang="en-US" dirty="0" smtClean="0"/>
-              <a:t>In our case a≈1/1000, </a:t>
-            </a:r>
-            <a:r>
-              <a:rPr lang="en-US" dirty="0" err="1" smtClean="0"/>
-              <a:t>b</a:t>
-            </a:r>
-            <a:r>
-              <a:rPr lang="en-US" dirty="0" smtClean="0"/>
-              <a:t>&lt;</a:t>
-            </a:r>
-            <a:r>
-              <a:rPr lang="en-US" dirty="0" smtClean="0"/>
-              <a:t>1 so we have O(D</a:t>
-            </a:r>
-            <a:r>
-              <a:rPr lang="en-US" baseline="30000" dirty="0" smtClean="0"/>
-              <a:t>3</a:t>
-            </a:r>
-            <a:r>
-              <a:rPr lang="en-US" dirty="0" smtClean="0"/>
-              <a:t>/1000) grid points (far less than O(D</a:t>
-            </a:r>
-            <a:r>
-              <a:rPr lang="en-US" baseline="30000" dirty="0" smtClean="0"/>
-              <a:t>3</a:t>
-            </a:r>
-            <a:r>
-              <a:rPr lang="en-US" dirty="0" smtClean="0"/>
-              <a:t>)), but in a concentrated area</a:t>
+              <a:t>However: dynamic grid makes load balancing very tricky</a:t>
+            </a:r>
+          </a:p>
+          <a:p>
+            <a:r>
+              <a:rPr lang="en-US" dirty="0" smtClean="0"/>
+              <a:t>Problem: Load balancing</a:t>
             </a:r>
           </a:p>
           <a:p>
             <a:pPr lvl="1"/>
             <a:r>
               <a:rPr lang="en-US" dirty="0" smtClean="0"/>
-              <a:t>Summary: Most of our grid points are in a highly concentrated moving area, so updating grid values (while also updating particles) requires an intelligent load balancing algorithm</a:t>
-            </a:r>
-          </a:p>
-          <a:p>
-            <a:r>
-              <a:rPr lang="en-US" dirty="0" smtClean="0"/>
-              <a:t>Problem: Load balancing</a:t>
+              <a:t>How to balance: Grid points? Particles? Both?</a:t>
             </a:r>
           </a:p>
           <a:p>
             <a:pPr lvl="1"/>
             <a:r>
               <a:rPr lang="en-US" dirty="0" smtClean="0"/>
-              <a:t>How to balance: Grid points? Particles? Both?</a:t>
-            </a:r>
-          </a:p>
-          <a:p>
-            <a:pPr lvl="1"/>
-            <a:r>
-              <a:rPr lang="en-US" dirty="0" smtClean="0"/>
               <a:t>Answer: Get weighted calculation of current grid + particle load, Broadcast All2All load sizes, each grid point decides to either Give some load or Take some load</a:t>
-            </a:r>
-          </a:p>
-          <a:p>
-            <a:r>
-              <a:rPr lang="en-US" dirty="0" smtClean="0"/>
-              <a:t>Bigger problem: Communication</a:t>
             </a:r>
           </a:p>
           <a:p>
@@ -4008,7 +3953,7 @@
         <p:spPr/>
         <p:txBody>
           <a:bodyPr>
-            <a:normAutofit fontScale="92500" lnSpcReduction="10000"/>
+            <a:normAutofit fontScale="92500" lnSpcReduction="20000"/>
           </a:bodyPr>
           <a:lstStyle/>
           <a:p>
@@ -4074,7 +4019,7 @@
             </a:r>
             <a:r>
               <a:rPr lang="en-US" dirty="0" smtClean="0"/>
-              <a:t> + (l+M/(p</a:t>
+              <a:t> + (L+M/p</a:t>
             </a:r>
             <a:r>
               <a:rPr lang="en-US" baseline="30000" dirty="0" smtClean="0"/>
@@ -4082,21 +4027,57 @@
             </a:r>
             <a:r>
               <a:rPr lang="en-US" dirty="0" smtClean="0"/>
-              <a:t>)b) + </a:t>
+              <a:t>b) + (L log </a:t>
+            </a:r>
+            <a:r>
+              <a:rPr lang="en-US" dirty="0" err="1" smtClean="0"/>
+              <a:t>p</a:t>
+            </a:r>
+            <a:r>
+              <a:rPr lang="en-US" dirty="0" smtClean="0"/>
+              <a:t> + (</a:t>
+            </a:r>
+            <a:r>
+              <a:rPr lang="en-US" dirty="0" err="1" smtClean="0"/>
+              <a:t>n</a:t>
+            </a:r>
+            <a:r>
+              <a:rPr lang="en-US" dirty="0" smtClean="0"/>
+              <a:t> L + p</a:t>
+            </a:r>
+            <a:r>
+              <a:rPr lang="en-US" baseline="30000" dirty="0" smtClean="0"/>
+              <a:t>2/3</a:t>
+            </a:r>
+            <a:r>
+              <a:rPr lang="en-US" dirty="0" smtClean="0"/>
+              <a:t>/b) p</a:t>
+            </a:r>
+            <a:r>
+              <a:rPr lang="en-US" baseline="30000" dirty="0" smtClean="0"/>
+              <a:t>1</a:t>
+            </a:r>
+            <a:r>
+              <a:rPr lang="en-US" baseline="30000" smtClean="0"/>
+              <a:t>/3</a:t>
+            </a:r>
+            <a:r>
+              <a:rPr lang="en-US" smtClean="0"/>
+              <a:t>))</a:t>
             </a:r>
           </a:p>
           <a:p>
             <a:pPr lvl="2"/>
             <a:r>
               <a:rPr lang="en-US" dirty="0" smtClean="0"/>
-              <a:t>Second term = swapping particles between processors as they move</a:t>
+              <a:t>Second group of terms = swapping particles between processors as the particles move</a:t>
             </a:r>
           </a:p>
           <a:p>
             <a:pPr lvl="2"/>
             <a:r>
               <a:rPr lang="en-US" dirty="0" smtClean="0"/>
-              <a:t>Third term = Load balancing, i.e. intelligently Give or Take grid points</a:t>
+              <a:t>Third group of terms = Load balancing, i.e. intelligently Give or Take grid points</a:t>
             </a:r>
           </a:p>
         </p:txBody>
@@ -4255,7 +4236,7 @@
             </a:r>
             <a:r>
               <a:rPr lang="en-US" dirty="0" err="1" smtClean="0"/>
-              <a:t>octtrees</a:t>
+              <a:t>octrees</a:t>
             </a:r>
             <a:r>
               <a:rPr lang="en-US" dirty="0" smtClean="0"/>

--- a/Dynogrid_ProgressReport_v1.pptx
+++ b/Dynogrid_ProgressReport_v1.pptx
@@ -6,11 +6,14 @@
   </p:sldMasterIdLst>
   <p:sldIdLst>
     <p:sldId id="256" r:id="rId2"/>
-    <p:sldId id="260" r:id="rId3"/>
-    <p:sldId id="257" r:id="rId4"/>
-    <p:sldId id="259" r:id="rId5"/>
-    <p:sldId id="262" r:id="rId6"/>
-    <p:sldId id="261" r:id="rId7"/>
+    <p:sldId id="263" r:id="rId3"/>
+    <p:sldId id="264" r:id="rId4"/>
+    <p:sldId id="265" r:id="rId5"/>
+    <p:sldId id="260" r:id="rId6"/>
+    <p:sldId id="257" r:id="rId7"/>
+    <p:sldId id="259" r:id="rId8"/>
+    <p:sldId id="262" r:id="rId9"/>
+    <p:sldId id="261" r:id="rId10"/>
   </p:sldIdLst>
   <p:sldSz cx="9144000" cy="6858000" type="screen4x3"/>
   <p:notesSz cx="6858000" cy="9144000"/>
@@ -3619,6 +3622,13 @@
   <p:clrMapOvr>
     <a:masterClrMapping/>
   </p:clrMapOvr>
+  <p:timing>
+    <p:tnLst>
+      <p:par>
+        <p:cTn id="1" dur="indefinite" restart="never" nodeType="tmRoot"/>
+      </p:par>
+    </p:tnLst>
+  </p:timing>
 </p:sld>
 </file>
 
@@ -3656,77 +3666,191 @@
           <a:p>
             <a:r>
               <a:rPr lang="en-US" dirty="0" smtClean="0"/>
-              <a:t>Problem Definition (Theory)</a:t>
+              <a:t>Preliminary Simulation</a:t>
             </a:r>
             <a:endParaRPr lang="en-US" dirty="0"/>
           </a:p>
         </p:txBody>
       </p:sp>
-      <p:sp>
-        <p:nvSpPr>
-          <p:cNvPr id="3" name="Content Placeholder 2"/>
-          <p:cNvSpPr>
-            <a:spLocks noGrp="1"/>
-          </p:cNvSpPr>
+      <p:pic>
+        <p:nvPicPr>
+          <p:cNvPr id="8" name="E_field.mp4">
+            <a:hlinkClick r:id="" action="ppaction://media"/>
+          </p:cNvPr>
+          <p:cNvPicPr/>
           <p:nvPr>
             <p:ph idx="1"/>
-          </p:nvPr>
-        </p:nvSpPr>
-        <p:spPr/>
-        <p:txBody>
-          <a:bodyPr>
-            <a:normAutofit/>
-          </a:bodyPr>
-          <a:lstStyle/>
-          <a:p>
-            <a:r>
-              <a:rPr lang="en-US" dirty="0" smtClean="0"/>
-              <a:t>Ultimate problem is the communication costs of load balancing</a:t>
-            </a:r>
-          </a:p>
-          <a:p>
-            <a:r>
-              <a:rPr lang="en-US" dirty="0" smtClean="0"/>
-              <a:t>Since distributed memory (due to problem size), only communicating with nearest neighbors is reasonable</a:t>
-            </a:r>
-          </a:p>
-          <a:p>
-            <a:r>
-              <a:rPr lang="en-US" dirty="0" smtClean="0"/>
-              <a:t>Takes p</a:t>
-            </a:r>
-            <a:r>
-              <a:rPr lang="en-US" baseline="30000" dirty="0" smtClean="0"/>
-              <a:t>1/3</a:t>
-            </a:r>
-            <a:r>
-              <a:rPr lang="en-US" dirty="0" smtClean="0"/>
-              <a:t> iterations for information to disseminate (p</a:t>
-            </a:r>
-            <a:r>
-              <a:rPr lang="en-US" baseline="30000" dirty="0" smtClean="0"/>
-              <a:t>1/3</a:t>
-            </a:r>
-            <a:r>
-              <a:rPr lang="en-US" dirty="0" smtClean="0"/>
-              <a:t> = # </a:t>
-            </a:r>
-            <a:r>
-              <a:rPr lang="en-US" dirty="0" err="1" smtClean="0"/>
-              <a:t>procs</a:t>
-            </a:r>
-            <a:r>
-              <a:rPr lang="en-US" dirty="0" smtClean="0"/>
-              <a:t> in one dimension in 3D)</a:t>
-            </a:r>
-          </a:p>
-        </p:txBody>
-      </p:sp>
+            <a:videoFile r:link="rId1"/>
+          </p:nvPr>
+        </p:nvPicPr>
+        <p:blipFill>
+          <a:blip r:embed="rId3"/>
+          <a:stretch>
+            <a:fillRect/>
+          </a:stretch>
+        </p:blipFill>
+        <p:spPr>
+          <a:xfrm>
+            <a:off x="692603" y="1600200"/>
+            <a:ext cx="7758794" cy="4525963"/>
+          </a:xfrm>
+        </p:spPr>
+      </p:pic>
     </p:spTree>
   </p:cSld>
   <p:clrMapOvr>
     <a:masterClrMapping/>
   </p:clrMapOvr>
+  <p:timing>
+    <p:tnLst>
+      <p:par>
+        <p:cTn id="1" dur="indefinite" restart="never" nodeType="tmRoot">
+          <p:childTnLst>
+            <p:seq concurrent="1" nextAc="seek">
+              <p:cTn id="2" dur="indefinite" nodeType="mainSeq">
+                <p:childTnLst>
+                  <p:par>
+                    <p:cTn id="3" fill="hold">
+                      <p:stCondLst>
+                        <p:cond delay="indefinite"/>
+                        <p:cond evt="onBegin" delay="0">
+                          <p:tn val="2"/>
+                        </p:cond>
+                      </p:stCondLst>
+                      <p:childTnLst>
+                        <p:par>
+                          <p:cTn id="4" fill="hold">
+                            <p:stCondLst>
+                              <p:cond delay="0"/>
+                            </p:stCondLst>
+                            <p:childTnLst>
+                              <p:par>
+                                <p:cTn id="5" presetID="1" presetClass="mediacall" presetSubtype="0" fill="hold" nodeType="afterEffect">
+                                  <p:stCondLst>
+                                    <p:cond delay="0"/>
+                                  </p:stCondLst>
+                                  <p:childTnLst>
+                                    <p:cmd type="call" cmd="playFrom(0.0)">
+                                      <p:cBhvr>
+                                        <p:cTn id="6" dur="3334" fill="hold"/>
+                                        <p:tgtEl>
+                                          <p:spTgt spid="8"/>
+                                        </p:tgtEl>
+                                      </p:cBhvr>
+                                    </p:cmd>
+                                  </p:childTnLst>
+                                </p:cTn>
+                              </p:par>
+                            </p:childTnLst>
+                          </p:cTn>
+                        </p:par>
+                      </p:childTnLst>
+                    </p:cTn>
+                  </p:par>
+                </p:childTnLst>
+              </p:cTn>
+              <p:prevCondLst>
+                <p:cond evt="onPrev" delay="0">
+                  <p:tgtEl>
+                    <p:sldTgt/>
+                  </p:tgtEl>
+                </p:cond>
+              </p:prevCondLst>
+              <p:nextCondLst>
+                <p:cond evt="onNext" delay="0">
+                  <p:tgtEl>
+                    <p:sldTgt/>
+                  </p:tgtEl>
+                </p:cond>
+              </p:nextCondLst>
+            </p:seq>
+            <p:video>
+              <p:cMediaNode>
+                <p:cTn id="7" repeatCount="indefinite" fill="hold" display="0">
+                  <p:stCondLst>
+                    <p:cond delay="indefinite"/>
+                  </p:stCondLst>
+                  <p:endCondLst>
+                    <p:cond evt="onNext" delay="0">
+                      <p:tgtEl>
+                        <p:sldTgt/>
+                      </p:tgtEl>
+                    </p:cond>
+                    <p:cond evt="onPrev" delay="0">
+                      <p:tgtEl>
+                        <p:sldTgt/>
+                      </p:tgtEl>
+                    </p:cond>
+                  </p:endCondLst>
+                </p:cTn>
+                <p:tgtEl>
+                  <p:spTgt spid="8"/>
+                </p:tgtEl>
+              </p:cMediaNode>
+            </p:video>
+            <p:seq concurrent="1" nextAc="seek">
+              <p:cTn id="8" restart="whenNotActive" fill="hold" evtFilter="cancelBubble" nodeType="interactiveSeq">
+                <p:stCondLst>
+                  <p:cond evt="onClick" delay="0">
+                    <p:tgtEl>
+                      <p:spTgt spid="8"/>
+                    </p:tgtEl>
+                  </p:cond>
+                </p:stCondLst>
+                <p:endSync evt="end" delay="0">
+                  <p:rtn val="all"/>
+                </p:endSync>
+                <p:childTnLst>
+                  <p:par>
+                    <p:cTn id="9" fill="hold">
+                      <p:stCondLst>
+                        <p:cond delay="0"/>
+                      </p:stCondLst>
+                      <p:childTnLst>
+                        <p:par>
+                          <p:cTn id="10" fill="hold">
+                            <p:stCondLst>
+                              <p:cond delay="0"/>
+                            </p:stCondLst>
+                            <p:childTnLst>
+                              <p:par>
+                                <p:cTn id="11" presetID="2" presetClass="mediacall" presetSubtype="0" fill="hold" nodeType="clickEffect">
+                                  <p:stCondLst>
+                                    <p:cond delay="0"/>
+                                  </p:stCondLst>
+                                  <p:childTnLst>
+                                    <p:cmd type="call" cmd="togglePause">
+                                      <p:cBhvr>
+                                        <p:cTn id="12" dur="1" fill="hold"/>
+                                        <p:tgtEl>
+                                          <p:spTgt spid="8"/>
+                                        </p:tgtEl>
+                                      </p:cBhvr>
+                                    </p:cmd>
+                                  </p:childTnLst>
+                                </p:cTn>
+                              </p:par>
+                            </p:childTnLst>
+                          </p:cTn>
+                        </p:par>
+                      </p:childTnLst>
+                    </p:cTn>
+                  </p:par>
+                </p:childTnLst>
+              </p:cTn>
+              <p:nextCondLst>
+                <p:cond evt="onClick" delay="0">
+                  <p:tgtEl>
+                    <p:spTgt spid="8"/>
+                  </p:tgtEl>
+                </p:cond>
+              </p:nextCondLst>
+            </p:seq>
+          </p:childTnLst>
+        </p:cTn>
+      </p:par>
+    </p:tnLst>
+  </p:timing>
 </p:sld>
 </file>
 
@@ -3749,7 +3873,7 @@
       </p:grpSpPr>
       <p:sp>
         <p:nvSpPr>
-          <p:cNvPr id="2" name="Title 1"/>
+          <p:cNvPr id="8" name="Title 7"/>
           <p:cNvSpPr>
             <a:spLocks noGrp="1"/>
           </p:cNvSpPr>
@@ -3764,139 +3888,43 @@
           <a:p>
             <a:r>
               <a:rPr lang="en-US" dirty="0" smtClean="0"/>
-              <a:t>Problem Definition (Specifics)</a:t>
+              <a:t>Initial</a:t>
             </a:r>
             <a:endParaRPr lang="en-US" dirty="0"/>
           </a:p>
         </p:txBody>
       </p:sp>
-      <p:sp>
-        <p:nvSpPr>
-          <p:cNvPr id="3" name="Content Placeholder 2"/>
-          <p:cNvSpPr>
-            <a:spLocks noGrp="1"/>
-          </p:cNvSpPr>
+      <p:pic>
+        <p:nvPicPr>
+          <p:cNvPr id="10" name="Content Placeholder 9" descr="E_field_00000.png"/>
+          <p:cNvPicPr>
+            <a:picLocks noGrp="1" noChangeAspect="1"/>
+          </p:cNvPicPr>
           <p:nvPr>
             <p:ph idx="1"/>
           </p:nvPr>
-        </p:nvSpPr>
-        <p:spPr>
-          <a:xfrm>
-            <a:off x="457200" y="1341437"/>
-            <a:ext cx="8229600" cy="4906963"/>
-          </a:xfrm>
-        </p:spPr>
-        <p:txBody>
-          <a:bodyPr>
-            <a:normAutofit fontScale="70000" lnSpcReduction="20000"/>
-          </a:bodyPr>
-          <a:lstStyle/>
-          <a:p>
-            <a:r>
-              <a:rPr lang="en-US" dirty="0" smtClean="0"/>
-              <a:t>Start with a 3-dimensional grid</a:t>
-            </a:r>
-          </a:p>
-          <a:p>
-            <a:pPr lvl="1"/>
-            <a:r>
-              <a:rPr lang="en-US" dirty="0" smtClean="0"/>
-              <a:t>If </a:t>
-            </a:r>
-            <a:r>
-              <a:rPr lang="en-US" u="sng" dirty="0" smtClean="0"/>
-              <a:t>D is the finest resolution per dimension</a:t>
-            </a:r>
-            <a:r>
-              <a:rPr lang="en-US" dirty="0" smtClean="0"/>
-              <a:t>, a static grid would have D</a:t>
-            </a:r>
-            <a:r>
-              <a:rPr lang="en-US" baseline="30000" dirty="0" smtClean="0"/>
-              <a:t>3</a:t>
-            </a:r>
-            <a:r>
-              <a:rPr lang="en-US" dirty="0" smtClean="0"/>
-              <a:t> grid points</a:t>
-            </a:r>
-          </a:p>
-          <a:p>
-            <a:pPr lvl="1"/>
-            <a:r>
-              <a:rPr lang="en-US" dirty="0" smtClean="0"/>
-              <a:t>In real world, D ≈ 1,000,000 ; This is unmanageable</a:t>
-            </a:r>
-          </a:p>
-          <a:p>
-            <a:pPr lvl="1"/>
-            <a:r>
-              <a:rPr lang="en-US" dirty="0" smtClean="0"/>
-              <a:t>A dynamic grid only requires D resolution in small portion of the grid</a:t>
-            </a:r>
-          </a:p>
-          <a:p>
-            <a:pPr lvl="1"/>
-            <a:r>
-              <a:rPr lang="en-US" dirty="0" smtClean="0"/>
-              <a:t>For us: D ≈ 100 (D</a:t>
-            </a:r>
-            <a:r>
-              <a:rPr lang="en-US" baseline="30000" dirty="0" smtClean="0"/>
-              <a:t>3</a:t>
-            </a:r>
-            <a:r>
-              <a:rPr lang="en-US" dirty="0" smtClean="0"/>
-              <a:t> ≈ 1,000,000), but only in ≈1/1,000 of the grid</a:t>
-            </a:r>
-          </a:p>
-          <a:p>
-            <a:pPr lvl="1"/>
-            <a:r>
-              <a:rPr lang="en-US" dirty="0" smtClean="0"/>
-              <a:t>However: dynamic grid makes load balancing very tricky</a:t>
-            </a:r>
-          </a:p>
-          <a:p>
-            <a:r>
-              <a:rPr lang="en-US" dirty="0" smtClean="0"/>
-              <a:t>Problem: Load balancing</a:t>
-            </a:r>
-          </a:p>
-          <a:p>
-            <a:pPr lvl="1"/>
-            <a:r>
-              <a:rPr lang="en-US" dirty="0" smtClean="0"/>
-              <a:t>How to balance: Grid points? Particles? Both?</a:t>
-            </a:r>
-          </a:p>
-          <a:p>
-            <a:pPr lvl="1"/>
-            <a:r>
-              <a:rPr lang="en-US" dirty="0" smtClean="0"/>
-              <a:t>Answer: Get weighted calculation of current grid + particle load, Broadcast All2All load sizes, each grid point decides to either Give some load or Take some load</a:t>
-            </a:r>
-          </a:p>
-          <a:p>
-            <a:pPr lvl="1"/>
-            <a:r>
-              <a:rPr lang="en-US" dirty="0" smtClean="0"/>
-              <a:t>How to most efficiently communicate load exchanges between processors at each time step?</a:t>
-            </a:r>
-          </a:p>
-          <a:p>
-            <a:pPr lvl="1"/>
-            <a:r>
-              <a:rPr lang="en-US" dirty="0" smtClean="0"/>
-              <a:t>Answer: Give or Take only with neighbors (doing this well is the tricky part)</a:t>
-            </a:r>
-          </a:p>
-        </p:txBody>
-      </p:sp>
+        </p:nvPicPr>
+        <p:blipFill>
+          <a:blip r:embed="rId2"/>
+          <a:srcRect l="-3034" r="-3034"/>
+          <a:stretch>
+            <a:fillRect/>
+          </a:stretch>
+        </p:blipFill>
+        <p:spPr/>
+      </p:pic>
     </p:spTree>
   </p:cSld>
   <p:clrMapOvr>
     <a:masterClrMapping/>
   </p:clrMapOvr>
+  <p:timing>
+    <p:tnLst>
+      <p:par>
+        <p:cTn id="1" dur="indefinite" restart="never" nodeType="tmRoot"/>
+      </p:par>
+    </p:tnLst>
+  </p:timing>
 </p:sld>
 </file>
 
@@ -3934,159 +3962,43 @@
           <a:p>
             <a:r>
               <a:rPr lang="en-US" dirty="0" smtClean="0"/>
-              <a:t>Complexity Estimates	</a:t>
+              <a:t>Final</a:t>
             </a:r>
             <a:endParaRPr lang="en-US" dirty="0"/>
           </a:p>
         </p:txBody>
       </p:sp>
-      <p:sp>
-        <p:nvSpPr>
-          <p:cNvPr id="3" name="Content Placeholder 2"/>
-          <p:cNvSpPr>
-            <a:spLocks noGrp="1"/>
-          </p:cNvSpPr>
+      <p:pic>
+        <p:nvPicPr>
+          <p:cNvPr id="4" name="Content Placeholder 3" descr="E_field_00008.png"/>
+          <p:cNvPicPr>
+            <a:picLocks noGrp="1" noChangeAspect="1"/>
+          </p:cNvPicPr>
           <p:nvPr>
             <p:ph idx="1"/>
           </p:nvPr>
-        </p:nvSpPr>
-        <p:spPr/>
-        <p:txBody>
-          <a:bodyPr>
-            <a:normAutofit fontScale="92500" lnSpcReduction="20000"/>
-          </a:bodyPr>
-          <a:lstStyle/>
-          <a:p>
-            <a:r>
-              <a:rPr lang="en-US" dirty="0" smtClean="0"/>
-              <a:t>N</a:t>
-            </a:r>
-            <a:r>
-              <a:rPr lang="en-US" dirty="0" smtClean="0"/>
-              <a:t> = number of grid points</a:t>
-            </a:r>
-          </a:p>
-          <a:p>
-            <a:r>
-              <a:rPr lang="en-US" dirty="0" smtClean="0"/>
-              <a:t>M = number of particles</a:t>
-            </a:r>
-          </a:p>
-          <a:p>
-            <a:r>
-              <a:rPr lang="en-US" dirty="0" smtClean="0"/>
-              <a:t>Sequential case:</a:t>
-            </a:r>
-          </a:p>
-          <a:p>
-            <a:pPr lvl="1"/>
-            <a:r>
-              <a:rPr lang="en-US" dirty="0" smtClean="0"/>
-              <a:t>Complexity = O(N+</a:t>
-            </a:r>
-            <a:r>
-              <a:rPr lang="en-US" dirty="0" smtClean="0"/>
-              <a:t>M</a:t>
-            </a:r>
-            <a:r>
-              <a:rPr lang="en-US" dirty="0" smtClean="0"/>
-              <a:t>)</a:t>
-            </a:r>
-          </a:p>
-          <a:p>
-            <a:r>
-              <a:rPr lang="en-US" dirty="0" smtClean="0"/>
-              <a:t>Parallel case:</a:t>
-            </a:r>
-          </a:p>
-          <a:p>
-            <a:pPr lvl="1"/>
-            <a:r>
-              <a:rPr lang="en-US" dirty="0" smtClean="0"/>
-              <a:t>Complexity = O((N+</a:t>
-            </a:r>
-            <a:r>
-              <a:rPr lang="en-US" dirty="0" smtClean="0"/>
-              <a:t>M</a:t>
-            </a:r>
-            <a:r>
-              <a:rPr lang="en-US" dirty="0" smtClean="0"/>
-              <a:t>)/</a:t>
-            </a:r>
-            <a:r>
-              <a:rPr lang="en-US" dirty="0" err="1" smtClean="0"/>
-              <a:t>p</a:t>
-            </a:r>
-            <a:r>
-              <a:rPr lang="en-US" dirty="0" smtClean="0"/>
-              <a:t> + (L+M/p</a:t>
-            </a:r>
-            <a:r>
-              <a:rPr lang="en-US" baseline="30000" dirty="0" smtClean="0"/>
-              <a:t>2/3</a:t>
-            </a:r>
-            <a:r>
-              <a:rPr lang="en-US" dirty="0" smtClean="0"/>
-              <a:t>b) + (L log </a:t>
-            </a:r>
-            <a:r>
-              <a:rPr lang="en-US" dirty="0" err="1" smtClean="0"/>
-              <a:t>p</a:t>
-            </a:r>
-            <a:r>
-              <a:rPr lang="en-US" dirty="0" smtClean="0"/>
-              <a:t> + (</a:t>
-            </a:r>
-            <a:r>
-              <a:rPr lang="en-US" dirty="0" err="1" smtClean="0"/>
-              <a:t>n</a:t>
-            </a:r>
-            <a:r>
-              <a:rPr lang="en-US" dirty="0" smtClean="0"/>
-              <a:t> L + p</a:t>
-            </a:r>
-            <a:r>
-              <a:rPr lang="en-US" baseline="30000" dirty="0" smtClean="0"/>
-              <a:t>2/3</a:t>
-            </a:r>
-            <a:r>
-              <a:rPr lang="en-US" dirty="0" smtClean="0"/>
-              <a:t>/b) p</a:t>
-            </a:r>
-            <a:r>
-              <a:rPr lang="en-US" baseline="30000" dirty="0" smtClean="0"/>
-              <a:t>1</a:t>
-            </a:r>
-            <a:r>
-              <a:rPr lang="en-US" baseline="30000" smtClean="0"/>
-              <a:t>/3</a:t>
-            </a:r>
-            <a:r>
-              <a:rPr lang="en-US" smtClean="0"/>
-              <a:t>))</a:t>
-            </a:r>
-          </a:p>
-          <a:p>
-            <a:pPr lvl="2"/>
-            <a:r>
-              <a:rPr lang="en-US" dirty="0" smtClean="0"/>
-              <a:t>Second group of terms = swapping particles between processors as the particles move</a:t>
-            </a:r>
-          </a:p>
-          <a:p>
-            <a:pPr lvl="2"/>
-            <a:r>
-              <a:rPr lang="en-US" dirty="0" smtClean="0"/>
-              <a:t>Third group of terms = Load balancing, i.e. intelligently Give or Take grid points</a:t>
-            </a:r>
-          </a:p>
-        </p:txBody>
-      </p:sp>
+        </p:nvPicPr>
+        <p:blipFill>
+          <a:blip r:embed="rId2"/>
+          <a:srcRect l="-3034" r="-3034"/>
+          <a:stretch>
+            <a:fillRect/>
+          </a:stretch>
+        </p:blipFill>
+        <p:spPr/>
+      </p:pic>
     </p:spTree>
   </p:cSld>
   <p:clrMapOvr>
     <a:masterClrMapping/>
   </p:clrMapOvr>
+  <p:timing>
+    <p:tnLst>
+      <p:par>
+        <p:cTn id="1" dur="indefinite" restart="never" nodeType="tmRoot"/>
+      </p:par>
+    </p:tnLst>
+  </p:timing>
 </p:sld>
 </file>
 
@@ -4124,32 +4036,69 @@
           <a:p>
             <a:r>
               <a:rPr lang="en-US" dirty="0" smtClean="0"/>
-              <a:t>High-level </a:t>
+              <a:t>Problem Definition (Theory)</a:t>
+            </a:r>
+            <a:endParaRPr lang="en-US" dirty="0"/>
+          </a:p>
+        </p:txBody>
+      </p:sp>
+      <p:sp>
+        <p:nvSpPr>
+          <p:cNvPr id="3" name="Content Placeholder 2"/>
+          <p:cNvSpPr>
+            <a:spLocks noGrp="1"/>
+          </p:cNvSpPr>
+          <p:nvPr>
+            <p:ph idx="1"/>
+          </p:nvPr>
+        </p:nvSpPr>
+        <p:spPr/>
+        <p:txBody>
+          <a:bodyPr>
+            <a:normAutofit/>
+          </a:bodyPr>
+          <a:lstStyle/>
+          <a:p>
+            <a:r>
+              <a:rPr lang="en-US" dirty="0" smtClean="0"/>
+              <a:t>Ultimate problem is achieving optimal load balancing</a:t>
+            </a:r>
+          </a:p>
+          <a:p>
+            <a:r>
+              <a:rPr lang="en-US" dirty="0" smtClean="0"/>
+              <a:t>Since distributed memory (due to problem size), only communicating with nearest neighbors is reasonable</a:t>
+            </a:r>
+          </a:p>
+          <a:p>
+            <a:r>
+              <a:rPr lang="en-US" dirty="0" smtClean="0"/>
+              <a:t>Takes p</a:t>
+            </a:r>
+            <a:r>
+              <a:rPr lang="en-US" baseline="30000" dirty="0" smtClean="0"/>
+              <a:t>1/3</a:t>
+            </a:r>
+            <a:r>
+              <a:rPr lang="en-US" dirty="0" smtClean="0"/>
+              <a:t> iterations for information to disseminate (p</a:t>
+            </a:r>
+            <a:r>
+              <a:rPr lang="en-US" baseline="30000" dirty="0" smtClean="0"/>
+              <a:t>1/3</a:t>
+            </a:r>
+            <a:r>
+              <a:rPr lang="en-US" dirty="0" smtClean="0"/>
+              <a:t> = # </a:t>
             </a:r>
             <a:r>
               <a:rPr lang="en-US" dirty="0" err="1" smtClean="0"/>
-              <a:t>Pseudocode</a:t>
-            </a:r>
-            <a:endParaRPr lang="en-US" dirty="0"/>
-          </a:p>
-        </p:txBody>
-      </p:sp>
-      <p:sp>
-        <p:nvSpPr>
-          <p:cNvPr id="3" name="Content Placeholder 2"/>
-          <p:cNvSpPr>
-            <a:spLocks noGrp="1"/>
-          </p:cNvSpPr>
-          <p:nvPr>
-            <p:ph idx="1"/>
-          </p:nvPr>
-        </p:nvSpPr>
-        <p:spPr/>
-        <p:txBody>
-          <a:bodyPr/>
-          <a:lstStyle/>
-          <a:p>
-            <a:endParaRPr lang="en-US" dirty="0"/>
+              <a:t>procs</a:t>
+            </a:r>
+            <a:r>
+              <a:rPr lang="en-US" dirty="0" smtClean="0"/>
+              <a:t> in one dimension in 3D)</a:t>
+            </a:r>
           </a:p>
         </p:txBody>
       </p:sp>
@@ -4158,6 +4107,13 @@
   <p:clrMapOvr>
     <a:masterClrMapping/>
   </p:clrMapOvr>
+  <p:timing>
+    <p:tnLst>
+      <p:par>
+        <p:cTn id="1" dur="indefinite" restart="never" nodeType="tmRoot"/>
+      </p:par>
+    </p:tnLst>
+  </p:timing>
 </p:sld>
 </file>
 
@@ -4195,7 +4151,7 @@
           <a:p>
             <a:r>
               <a:rPr lang="en-US" dirty="0" smtClean="0"/>
-              <a:t>Goals</a:t>
+              <a:t>Problem Definition (Specifics)</a:t>
             </a:r>
             <a:endParaRPr lang="en-US" dirty="0"/>
           </a:p>
@@ -4211,58 +4167,115 @@
             <p:ph idx="1"/>
           </p:nvPr>
         </p:nvSpPr>
-        <p:spPr/>
+        <p:spPr>
+          <a:xfrm>
+            <a:off x="457200" y="1341437"/>
+            <a:ext cx="8229600" cy="4906963"/>
+          </a:xfrm>
+        </p:spPr>
         <p:txBody>
           <a:bodyPr>
-            <a:normAutofit lnSpcReduction="10000"/>
+            <a:normAutofit fontScale="70000" lnSpcReduction="20000"/>
           </a:bodyPr>
           <a:lstStyle/>
           <a:p>
             <a:r>
               <a:rPr lang="en-US" dirty="0" smtClean="0"/>
-              <a:t>Fully distributed memory</a:t>
-            </a:r>
-          </a:p>
-          <a:p>
-            <a:r>
-              <a:rPr lang="en-US" dirty="0" smtClean="0"/>
-              <a:t>MPI communication</a:t>
-            </a:r>
-          </a:p>
-          <a:p>
-            <a:r>
-              <a:rPr lang="en-US" dirty="0" smtClean="0"/>
-              <a:t>Build </a:t>
-            </a:r>
-            <a:r>
-              <a:rPr lang="en-US" dirty="0" err="1" smtClean="0"/>
-              <a:t>octrees</a:t>
-            </a:r>
-            <a:r>
-              <a:rPr lang="en-US" dirty="0" smtClean="0"/>
-              <a:t> for adaptive grid, may use </a:t>
-            </a:r>
-            <a:r>
-              <a:rPr lang="en-US" dirty="0" smtClean="0"/>
-              <a:t>M</a:t>
-            </a:r>
-            <a:r>
-              <a:rPr lang="en-US" dirty="0" smtClean="0"/>
-              <a:t>orton ids if deemed useful</a:t>
-            </a:r>
-          </a:p>
-          <a:p>
-            <a:r>
-              <a:rPr lang="en-US" dirty="0" smtClean="0"/>
-              <a:t>Possibly add more accurate physics – there is lots of flexibility here, depending on the time available</a:t>
-            </a:r>
-          </a:p>
-          <a:p>
-            <a:r>
-              <a:rPr lang="en-US" dirty="0" smtClean="0"/>
-              <a:t>Get reasonably close to embarrassingly parallel</a:t>
-            </a:r>
-            <a:endParaRPr lang="en-US" dirty="0"/>
+              <a:t>Start with a 3-dimensional grid</a:t>
+            </a:r>
+          </a:p>
+          <a:p>
+            <a:pPr lvl="1"/>
+            <a:r>
+              <a:rPr lang="en-US" dirty="0" smtClean="0"/>
+              <a:t>If </a:t>
+            </a:r>
+            <a:r>
+              <a:rPr lang="en-US" u="sng" dirty="0" smtClean="0"/>
+              <a:t>D is the finest resolution per dimension</a:t>
+            </a:r>
+            <a:r>
+              <a:rPr lang="en-US" dirty="0" smtClean="0"/>
+              <a:t>, a static grid would have D</a:t>
+            </a:r>
+            <a:r>
+              <a:rPr lang="en-US" baseline="30000" dirty="0" smtClean="0"/>
+              <a:t>3</a:t>
+            </a:r>
+            <a:r>
+              <a:rPr lang="en-US" dirty="0" smtClean="0"/>
+              <a:t> grid points</a:t>
+            </a:r>
+          </a:p>
+          <a:p>
+            <a:pPr lvl="1"/>
+            <a:r>
+              <a:rPr lang="en-US" dirty="0" smtClean="0"/>
+              <a:t>In real world, D ≈ 1,000,000 ; This is unmanageable</a:t>
+            </a:r>
+          </a:p>
+          <a:p>
+            <a:pPr lvl="1"/>
+            <a:r>
+              <a:rPr lang="en-US" dirty="0" smtClean="0"/>
+              <a:t>A dynamic grid only requires D resolution in small portion of the grid</a:t>
+            </a:r>
+          </a:p>
+          <a:p>
+            <a:pPr lvl="1"/>
+            <a:r>
+              <a:rPr lang="en-US" dirty="0" smtClean="0"/>
+              <a:t>For us: D ≈ 100 (D</a:t>
+            </a:r>
+            <a:r>
+              <a:rPr lang="en-US" baseline="30000" dirty="0" smtClean="0"/>
+              <a:t>3</a:t>
+            </a:r>
+            <a:r>
+              <a:rPr lang="en-US" dirty="0" smtClean="0"/>
+              <a:t> ≈ 1,000,000), but only in ≈1/1,000 of the grid</a:t>
+            </a:r>
+          </a:p>
+          <a:p>
+            <a:pPr lvl="1"/>
+            <a:r>
+              <a:rPr lang="en-US" dirty="0" smtClean="0"/>
+              <a:t>However: dynamic grid makes load balancing very tricky</a:t>
+            </a:r>
+          </a:p>
+          <a:p>
+            <a:r>
+              <a:rPr lang="en-US" dirty="0" smtClean="0"/>
+              <a:t>Problem: Load balancing</a:t>
+            </a:r>
+          </a:p>
+          <a:p>
+            <a:pPr lvl="1"/>
+            <a:r>
+              <a:rPr lang="en-US" dirty="0" smtClean="0"/>
+              <a:t>How to balance: Grid points? Particles? Both?</a:t>
+            </a:r>
+          </a:p>
+          <a:p>
+            <a:pPr lvl="1"/>
+            <a:r>
+              <a:rPr lang="en-US" dirty="0" smtClean="0"/>
+              <a:t>Answer: Get weighted calculation of current grid + particle load, Broadcast All2All load sizes, each grid point decides to either Give some load or Take some load</a:t>
+            </a:r>
+          </a:p>
+          <a:p>
+            <a:pPr lvl="1"/>
+            <a:r>
+              <a:rPr lang="en-US" dirty="0" smtClean="0"/>
+              <a:t>How to most efficiently communicate load exchanges between processors at each time step?</a:t>
+            </a:r>
+          </a:p>
+          <a:p>
+            <a:pPr lvl="1"/>
+            <a:r>
+              <a:rPr lang="en-US" dirty="0" smtClean="0"/>
+              <a:t>Answer: Give or Take only with neighbors (doing this well is the tricky part)</a:t>
+            </a:r>
           </a:p>
         </p:txBody>
       </p:sp>
@@ -4271,6 +4284,404 @@
   <p:clrMapOvr>
     <a:masterClrMapping/>
   </p:clrMapOvr>
+  <p:timing>
+    <p:tnLst>
+      <p:par>
+        <p:cTn id="1" dur="indefinite" restart="never" nodeType="tmRoot"/>
+      </p:par>
+    </p:tnLst>
+  </p:timing>
+</p:sld>
+</file>
+
+<file path=ppt/slides/slide7.xml><?xml version="1.0" encoding="utf-8"?>
+<p:sld xmlns:a="http://schemas.openxmlformats.org/drawingml/2006/main" xmlns:r="http://schemas.openxmlformats.org/officeDocument/2006/relationships" xmlns:mc="http://schemas.openxmlformats.org/markup-compatibility/2006" xmlns:mv="urn:schemas-microsoft-com:mac:vml" xmlns:p="http://schemas.openxmlformats.org/presentationml/2006/main" mc:Ignorable="mv" mc:PreserveAttributes="mv:*">
+  <p:cSld>
+    <p:spTree>
+      <p:nvGrpSpPr>
+        <p:cNvPr id="1" name=""/>
+        <p:cNvGrpSpPr/>
+        <p:nvPr/>
+      </p:nvGrpSpPr>
+      <p:grpSpPr>
+        <a:xfrm>
+          <a:off x="0" y="0"/>
+          <a:ext cx="0" cy="0"/>
+          <a:chOff x="0" y="0"/>
+          <a:chExt cx="0" cy="0"/>
+        </a:xfrm>
+      </p:grpSpPr>
+      <p:sp>
+        <p:nvSpPr>
+          <p:cNvPr id="2" name="Title 1"/>
+          <p:cNvSpPr>
+            <a:spLocks noGrp="1"/>
+          </p:cNvSpPr>
+          <p:nvPr>
+            <p:ph type="title"/>
+          </p:nvPr>
+        </p:nvSpPr>
+        <p:spPr/>
+        <p:txBody>
+          <a:bodyPr/>
+          <a:lstStyle/>
+          <a:p>
+            <a:r>
+              <a:rPr lang="en-US" dirty="0" smtClean="0"/>
+              <a:t>Complexity Estimates	</a:t>
+            </a:r>
+            <a:endParaRPr lang="en-US" dirty="0"/>
+          </a:p>
+        </p:txBody>
+      </p:sp>
+      <p:sp>
+        <p:nvSpPr>
+          <p:cNvPr id="3" name="Content Placeholder 2"/>
+          <p:cNvSpPr>
+            <a:spLocks noGrp="1"/>
+          </p:cNvSpPr>
+          <p:nvPr>
+            <p:ph idx="1"/>
+          </p:nvPr>
+        </p:nvSpPr>
+        <p:spPr/>
+        <p:txBody>
+          <a:bodyPr>
+            <a:normAutofit fontScale="92500" lnSpcReduction="20000"/>
+          </a:bodyPr>
+          <a:lstStyle/>
+          <a:p>
+            <a:r>
+              <a:rPr lang="en-US" dirty="0" smtClean="0"/>
+              <a:t>N</a:t>
+            </a:r>
+            <a:r>
+              <a:rPr lang="en-US" dirty="0" smtClean="0"/>
+              <a:t> = number of grid points</a:t>
+            </a:r>
+          </a:p>
+          <a:p>
+            <a:r>
+              <a:rPr lang="en-US" dirty="0" smtClean="0"/>
+              <a:t>M = number of particles</a:t>
+            </a:r>
+          </a:p>
+          <a:p>
+            <a:r>
+              <a:rPr lang="en-US" dirty="0" smtClean="0"/>
+              <a:t>Sequential case:</a:t>
+            </a:r>
+          </a:p>
+          <a:p>
+            <a:pPr lvl="1"/>
+            <a:r>
+              <a:rPr lang="en-US" dirty="0" smtClean="0"/>
+              <a:t>Complexity = O(N+</a:t>
+            </a:r>
+            <a:r>
+              <a:rPr lang="en-US" dirty="0" smtClean="0"/>
+              <a:t>M</a:t>
+            </a:r>
+            <a:r>
+              <a:rPr lang="en-US" dirty="0" smtClean="0"/>
+              <a:t>)</a:t>
+            </a:r>
+          </a:p>
+          <a:p>
+            <a:r>
+              <a:rPr lang="en-US" dirty="0" smtClean="0"/>
+              <a:t>Parallel case:</a:t>
+            </a:r>
+          </a:p>
+          <a:p>
+            <a:pPr lvl="1"/>
+            <a:r>
+              <a:rPr lang="en-US" dirty="0" smtClean="0"/>
+              <a:t>Complexity = O((N+</a:t>
+            </a:r>
+            <a:r>
+              <a:rPr lang="en-US" dirty="0" smtClean="0"/>
+              <a:t>M</a:t>
+            </a:r>
+            <a:r>
+              <a:rPr lang="en-US" dirty="0" smtClean="0"/>
+              <a:t>)/</a:t>
+            </a:r>
+            <a:r>
+              <a:rPr lang="en-US" dirty="0" err="1" smtClean="0"/>
+              <a:t>p</a:t>
+            </a:r>
+            <a:r>
+              <a:rPr lang="en-US" dirty="0" smtClean="0"/>
+              <a:t> + (L+M/p</a:t>
+            </a:r>
+            <a:r>
+              <a:rPr lang="en-US" baseline="30000" dirty="0" smtClean="0"/>
+              <a:t>2/3</a:t>
+            </a:r>
+            <a:r>
+              <a:rPr lang="en-US" dirty="0" smtClean="0"/>
+              <a:t>b) + (L log </a:t>
+            </a:r>
+            <a:r>
+              <a:rPr lang="en-US" dirty="0" err="1" smtClean="0"/>
+              <a:t>p</a:t>
+            </a:r>
+            <a:r>
+              <a:rPr lang="en-US" dirty="0" smtClean="0"/>
+              <a:t> + (</a:t>
+            </a:r>
+            <a:r>
+              <a:rPr lang="en-US" dirty="0" err="1" smtClean="0"/>
+              <a:t>n</a:t>
+            </a:r>
+            <a:r>
+              <a:rPr lang="en-US" dirty="0" smtClean="0"/>
+              <a:t> L + p</a:t>
+            </a:r>
+            <a:r>
+              <a:rPr lang="en-US" baseline="30000" dirty="0" smtClean="0"/>
+              <a:t>2/3</a:t>
+            </a:r>
+            <a:r>
+              <a:rPr lang="en-US" dirty="0" smtClean="0"/>
+              <a:t>/b) p</a:t>
+            </a:r>
+            <a:r>
+              <a:rPr lang="en-US" baseline="30000" dirty="0" smtClean="0"/>
+              <a:t>1/3</a:t>
+            </a:r>
+            <a:r>
+              <a:rPr lang="en-US" dirty="0" smtClean="0"/>
+              <a:t>))</a:t>
+            </a:r>
+          </a:p>
+          <a:p>
+            <a:pPr lvl="2"/>
+            <a:r>
+              <a:rPr lang="en-US" dirty="0" smtClean="0"/>
+              <a:t>Second group of terms = swapping particles between processors as the particles move</a:t>
+            </a:r>
+          </a:p>
+          <a:p>
+            <a:pPr lvl="2"/>
+            <a:r>
+              <a:rPr lang="en-US" dirty="0" smtClean="0"/>
+              <a:t>Third group of terms = Load balancing, i.e. intelligently Give or Take grid points</a:t>
+            </a:r>
+          </a:p>
+        </p:txBody>
+      </p:sp>
+    </p:spTree>
+  </p:cSld>
+  <p:clrMapOvr>
+    <a:masterClrMapping/>
+  </p:clrMapOvr>
+  <p:timing>
+    <p:tnLst>
+      <p:par>
+        <p:cTn id="1" dur="indefinite" restart="never" nodeType="tmRoot"/>
+      </p:par>
+    </p:tnLst>
+  </p:timing>
+</p:sld>
+</file>
+
+<file path=ppt/slides/slide8.xml><?xml version="1.0" encoding="utf-8"?>
+<p:sld xmlns:a="http://schemas.openxmlformats.org/drawingml/2006/main" xmlns:r="http://schemas.openxmlformats.org/officeDocument/2006/relationships" xmlns:mc="http://schemas.openxmlformats.org/markup-compatibility/2006" xmlns:mv="urn:schemas-microsoft-com:mac:vml" xmlns:p="http://schemas.openxmlformats.org/presentationml/2006/main" mc:Ignorable="mv" mc:PreserveAttributes="mv:*">
+  <p:cSld>
+    <p:spTree>
+      <p:nvGrpSpPr>
+        <p:cNvPr id="1" name=""/>
+        <p:cNvGrpSpPr/>
+        <p:nvPr/>
+      </p:nvGrpSpPr>
+      <p:grpSpPr>
+        <a:xfrm>
+          <a:off x="0" y="0"/>
+          <a:ext cx="0" cy="0"/>
+          <a:chOff x="0" y="0"/>
+          <a:chExt cx="0" cy="0"/>
+        </a:xfrm>
+      </p:grpSpPr>
+      <p:sp>
+        <p:nvSpPr>
+          <p:cNvPr id="2" name="Title 1"/>
+          <p:cNvSpPr>
+            <a:spLocks noGrp="1"/>
+          </p:cNvSpPr>
+          <p:nvPr>
+            <p:ph type="title"/>
+          </p:nvPr>
+        </p:nvSpPr>
+        <p:spPr/>
+        <p:txBody>
+          <a:bodyPr/>
+          <a:lstStyle/>
+          <a:p>
+            <a:r>
+              <a:rPr lang="en-US" dirty="0" smtClean="0"/>
+              <a:t>High-level </a:t>
+            </a:r>
+            <a:r>
+              <a:rPr lang="en-US" dirty="0" err="1" smtClean="0"/>
+              <a:t>Pseudocode</a:t>
+            </a:r>
+            <a:endParaRPr lang="en-US" dirty="0"/>
+          </a:p>
+        </p:txBody>
+      </p:sp>
+      <p:sp>
+        <p:nvSpPr>
+          <p:cNvPr id="3" name="Content Placeholder 2"/>
+          <p:cNvSpPr>
+            <a:spLocks noGrp="1"/>
+          </p:cNvSpPr>
+          <p:nvPr>
+            <p:ph idx="1"/>
+          </p:nvPr>
+        </p:nvSpPr>
+        <p:spPr/>
+        <p:txBody>
+          <a:bodyPr/>
+          <a:lstStyle/>
+          <a:p>
+            <a:endParaRPr lang="en-US" dirty="0"/>
+          </a:p>
+        </p:txBody>
+      </p:sp>
+    </p:spTree>
+  </p:cSld>
+  <p:clrMapOvr>
+    <a:masterClrMapping/>
+  </p:clrMapOvr>
+  <p:timing>
+    <p:tnLst>
+      <p:par>
+        <p:cTn id="1" dur="indefinite" restart="never" nodeType="tmRoot"/>
+      </p:par>
+    </p:tnLst>
+  </p:timing>
+</p:sld>
+</file>
+
+<file path=ppt/slides/slide9.xml><?xml version="1.0" encoding="utf-8"?>
+<p:sld xmlns:a="http://schemas.openxmlformats.org/drawingml/2006/main" xmlns:r="http://schemas.openxmlformats.org/officeDocument/2006/relationships" xmlns:mc="http://schemas.openxmlformats.org/markup-compatibility/2006" xmlns:mv="urn:schemas-microsoft-com:mac:vml" xmlns:p="http://schemas.openxmlformats.org/presentationml/2006/main" mc:Ignorable="mv" mc:PreserveAttributes="mv:*">
+  <p:cSld>
+    <p:spTree>
+      <p:nvGrpSpPr>
+        <p:cNvPr id="1" name=""/>
+        <p:cNvGrpSpPr/>
+        <p:nvPr/>
+      </p:nvGrpSpPr>
+      <p:grpSpPr>
+        <a:xfrm>
+          <a:off x="0" y="0"/>
+          <a:ext cx="0" cy="0"/>
+          <a:chOff x="0" y="0"/>
+          <a:chExt cx="0" cy="0"/>
+        </a:xfrm>
+      </p:grpSpPr>
+      <p:sp>
+        <p:nvSpPr>
+          <p:cNvPr id="2" name="Title 1"/>
+          <p:cNvSpPr>
+            <a:spLocks noGrp="1"/>
+          </p:cNvSpPr>
+          <p:nvPr>
+            <p:ph type="title"/>
+          </p:nvPr>
+        </p:nvSpPr>
+        <p:spPr/>
+        <p:txBody>
+          <a:bodyPr/>
+          <a:lstStyle/>
+          <a:p>
+            <a:r>
+              <a:rPr lang="en-US" dirty="0" smtClean="0"/>
+              <a:t>Goals</a:t>
+            </a:r>
+            <a:endParaRPr lang="en-US" dirty="0"/>
+          </a:p>
+        </p:txBody>
+      </p:sp>
+      <p:sp>
+        <p:nvSpPr>
+          <p:cNvPr id="3" name="Content Placeholder 2"/>
+          <p:cNvSpPr>
+            <a:spLocks noGrp="1"/>
+          </p:cNvSpPr>
+          <p:nvPr>
+            <p:ph idx="1"/>
+          </p:nvPr>
+        </p:nvSpPr>
+        <p:spPr/>
+        <p:txBody>
+          <a:bodyPr>
+            <a:normAutofit lnSpcReduction="10000"/>
+          </a:bodyPr>
+          <a:lstStyle/>
+          <a:p>
+            <a:r>
+              <a:rPr lang="en-US" dirty="0" smtClean="0"/>
+              <a:t>Fully distributed memory</a:t>
+            </a:r>
+          </a:p>
+          <a:p>
+            <a:r>
+              <a:rPr lang="en-US" dirty="0" smtClean="0"/>
+              <a:t>MPI communication</a:t>
+            </a:r>
+          </a:p>
+          <a:p>
+            <a:r>
+              <a:rPr lang="en-US" dirty="0" smtClean="0"/>
+              <a:t>Build </a:t>
+            </a:r>
+            <a:r>
+              <a:rPr lang="en-US" dirty="0" err="1" smtClean="0"/>
+              <a:t>octrees</a:t>
+            </a:r>
+            <a:r>
+              <a:rPr lang="en-US" dirty="0" smtClean="0"/>
+              <a:t> for adaptive grid, may use </a:t>
+            </a:r>
+            <a:r>
+              <a:rPr lang="en-US" dirty="0" smtClean="0"/>
+              <a:t>M</a:t>
+            </a:r>
+            <a:r>
+              <a:rPr lang="en-US" dirty="0" smtClean="0"/>
+              <a:t>orton ids if deemed useful</a:t>
+            </a:r>
+          </a:p>
+          <a:p>
+            <a:r>
+              <a:rPr lang="en-US" dirty="0" smtClean="0"/>
+              <a:t>Possibly add more accurate physics – there is lots of flexibility here, depending on the time available</a:t>
+            </a:r>
+          </a:p>
+          <a:p>
+            <a:r>
+              <a:rPr lang="en-US" dirty="0" smtClean="0"/>
+              <a:t>Get reasonably close to embarrassingly parallel</a:t>
+            </a:r>
+            <a:endParaRPr lang="en-US" dirty="0"/>
+          </a:p>
+        </p:txBody>
+      </p:sp>
+    </p:spTree>
+  </p:cSld>
+  <p:clrMapOvr>
+    <a:masterClrMapping/>
+  </p:clrMapOvr>
+  <p:timing>
+    <p:tnLst>
+      <p:par>
+        <p:cTn id="1" dur="indefinite" restart="never" nodeType="tmRoot"/>
+      </p:par>
+    </p:tnLst>
+  </p:timing>
 </p:sld>
 </file>
 

--- a/Dynogrid_ProgressReport_v1.pptx
+++ b/Dynogrid_ProgressReport_v1.pptx
@@ -4607,7 +4607,7 @@
       </p:sp>
       <p:sp>
         <p:nvSpPr>
-          <p:cNvPr id="3" name="Content Placeholder 2"/>
+          <p:cNvPr id="4" name="Content Placeholder 3"/>
           <p:cNvSpPr>
             <a:spLocks noGrp="1"/>
           </p:cNvSpPr>
@@ -4617,55 +4617,144 @@
         </p:nvSpPr>
         <p:spPr/>
         <p:txBody>
-          <a:bodyPr>
-            <a:normAutofit lnSpcReduction="10000"/>
-          </a:bodyPr>
-          <a:lstStyle/>
-          <a:p>
-            <a:r>
-              <a:rPr lang="en-US" dirty="0" smtClean="0"/>
-              <a:t>Fully distributed memory</a:t>
-            </a:r>
-          </a:p>
-          <a:p>
-            <a:r>
-              <a:rPr lang="en-US" dirty="0" smtClean="0"/>
-              <a:t>MPI communication</a:t>
-            </a:r>
-          </a:p>
-          <a:p>
-            <a:r>
-              <a:rPr lang="en-US" dirty="0" smtClean="0"/>
-              <a:t>Build </a:t>
-            </a:r>
-            <a:r>
-              <a:rPr lang="en-US" dirty="0" err="1" smtClean="0"/>
-              <a:t>octrees</a:t>
-            </a:r>
-            <a:r>
-              <a:rPr lang="en-US" dirty="0" smtClean="0"/>
-              <a:t> for adaptive grid, may use </a:t>
-            </a:r>
-            <a:r>
-              <a:rPr lang="en-US" dirty="0" smtClean="0"/>
-              <a:t>M</a:t>
-            </a:r>
-            <a:r>
-              <a:rPr lang="en-US" dirty="0" smtClean="0"/>
-              <a:t>orton ids if deemed useful</a:t>
-            </a:r>
-          </a:p>
-          <a:p>
-            <a:r>
-              <a:rPr lang="en-US" dirty="0" smtClean="0"/>
+          <a:bodyPr/>
+          <a:lstStyle/>
+          <a:p>
+            <a:pPr lvl="0">
+              <a:lnSpc>
+                <a:spcPct val="90000"/>
+              </a:lnSpc>
+              <a:spcBef>
+                <a:spcPts val="0"/>
+              </a:spcBef>
+              <a:buClr>
+                <a:schemeClr val="dk1"/>
+              </a:buClr>
+              <a:buSzPct val="100000"/>
+              <a:buFont typeface="Arial"/>
+              <a:buChar char="•"/>
+            </a:pPr>
+            <a:r>
+              <a:rPr lang="en-US" dirty="0" smtClean="0">
+                <a:solidFill>
+                  <a:schemeClr val="dk1"/>
+                </a:solidFill>
+                <a:ea typeface="Calibri"/>
+                <a:cs typeface="Calibri"/>
+                <a:sym typeface="Calibri"/>
+              </a:rPr>
+              <a:t>Achieve optimum load balancing</a:t>
+            </a:r>
+          </a:p>
+          <a:p>
+            <a:pPr lvl="0">
+              <a:lnSpc>
+                <a:spcPct val="90000"/>
+              </a:lnSpc>
+              <a:spcBef>
+                <a:spcPts val="0"/>
+              </a:spcBef>
+              <a:buClr>
+                <a:schemeClr val="dk1"/>
+              </a:buClr>
+              <a:buSzPct val="100000"/>
+              <a:buFont typeface="Calibri"/>
+              <a:buChar char="•"/>
+            </a:pPr>
+            <a:r>
+              <a:rPr lang="en-US" dirty="0" smtClean="0">
+                <a:solidFill>
+                  <a:schemeClr val="dk1"/>
+                </a:solidFill>
+                <a:ea typeface="Calibri"/>
+                <a:cs typeface="Calibri"/>
+                <a:sym typeface="Calibri"/>
+              </a:rPr>
+              <a:t>Optimize load balancer</a:t>
+            </a:r>
+          </a:p>
+          <a:p>
+            <a:pPr lvl="0">
+              <a:lnSpc>
+                <a:spcPct val="90000"/>
+              </a:lnSpc>
+              <a:spcBef>
+                <a:spcPts val="640"/>
+              </a:spcBef>
+              <a:buClr>
+                <a:schemeClr val="dk1"/>
+              </a:buClr>
+              <a:buSzPct val="100000"/>
+              <a:buFont typeface="Arial"/>
+              <a:buChar char="•"/>
+            </a:pPr>
+            <a:r>
+              <a:rPr lang="en-US" dirty="0" smtClean="0">
+                <a:solidFill>
+                  <a:schemeClr val="dk1"/>
+                </a:solidFill>
+                <a:ea typeface="Calibri"/>
+                <a:cs typeface="Calibri"/>
+                <a:sym typeface="Calibri"/>
+              </a:rPr>
+              <a:t>Build MPI communication routines</a:t>
+            </a:r>
+          </a:p>
+          <a:p>
+            <a:pPr lvl="0">
+              <a:lnSpc>
+                <a:spcPct val="90000"/>
+              </a:lnSpc>
+              <a:spcBef>
+                <a:spcPts val="640"/>
+              </a:spcBef>
+              <a:buClr>
+                <a:schemeClr val="dk1"/>
+              </a:buClr>
+              <a:buSzPct val="100000"/>
+              <a:buFont typeface="Arial"/>
+              <a:buChar char="•"/>
+            </a:pPr>
+            <a:r>
+              <a:rPr lang="en-US" dirty="0" smtClean="0">
+                <a:solidFill>
+                  <a:schemeClr val="dk1"/>
+                </a:solidFill>
+                <a:ea typeface="Calibri"/>
+                <a:cs typeface="Calibri"/>
+                <a:sym typeface="Calibri"/>
+              </a:rPr>
+              <a:t>Implement adaptive grid</a:t>
+            </a:r>
+          </a:p>
+          <a:p>
+            <a:pPr lvl="0">
+              <a:lnSpc>
+                <a:spcPct val="90000"/>
+              </a:lnSpc>
+              <a:spcBef>
+                <a:spcPts val="640"/>
+              </a:spcBef>
+              <a:buClr>
+                <a:schemeClr val="dk1"/>
+              </a:buClr>
+              <a:buSzPct val="100000"/>
+              <a:buFont typeface="Arial"/>
+              <a:buChar char="•"/>
+            </a:pPr>
+            <a:r>
+              <a:rPr lang="en-US" dirty="0" smtClean="0">
+                <a:solidFill>
+                  <a:schemeClr val="dk1"/>
+                </a:solidFill>
+                <a:ea typeface="Calibri"/>
+                <a:cs typeface="Calibri"/>
+                <a:sym typeface="Calibri"/>
+              </a:rPr>
               <a:t>Possibly add more accurate physics – there is lots of flexibility here, depending on the time available</a:t>
             </a:r>
           </a:p>
           <a:p>
-            <a:r>
-              <a:rPr lang="en-US" dirty="0" smtClean="0"/>
-              <a:t>Get reasonably close to embarrassingly parallel</a:t>
-            </a:r>
             <a:endParaRPr lang="en-US" dirty="0"/>
           </a:p>
         </p:txBody>

--- a/Dynogrid_ProgressReport_v1.pptx
+++ b/Dynogrid_ProgressReport_v1.pptx
@@ -297,7 +297,7 @@
             <a:fld id="{A3323DE7-1CA7-4F98-8D89-1EC98E67AF2C}" type="datetimeFigureOut">
               <a:rPr lang="en-US" smtClean="0"/>
               <a:pPr/>
-              <a:t>4/12/15</a:t>
+              <a:t>4/13/15</a:t>
             </a:fld>
             <a:endParaRPr lang="en-US"/>
           </a:p>
@@ -349,7 +349,7 @@
     </p:spTree>
     <p:extLst>
       <p:ext uri="{BB962C8B-B14F-4D97-AF65-F5344CB8AC3E}">
-        <p14:creationId xmlns:p14="http://schemas.microsoft.com/office/powerpoint/2010/main" xmlns:p="http://schemas.openxmlformats.org/presentationml/2006/main" xmlns:r="http://schemas.openxmlformats.org/officeDocument/2006/relationships" xmlns:a="http://schemas.openxmlformats.org/drawingml/2006/main" xmlns="" val="1178169927"/>
+        <p14:creationId xmlns="" xmlns:a="http://schemas.openxmlformats.org/drawingml/2006/main" xmlns:r="http://schemas.openxmlformats.org/officeDocument/2006/relationships" xmlns:p="http://schemas.openxmlformats.org/presentationml/2006/main" xmlns:p14="http://schemas.microsoft.com/office/powerpoint/2010/main" xmlns:mv="urn:schemas-microsoft-com:mac:vml" xmlns:mc="http://schemas.openxmlformats.org/markup-compatibility/2006" val="1178169927"/>
       </p:ext>
     </p:extLst>
   </p:cSld>
@@ -469,7 +469,7 @@
             <a:fld id="{A3323DE7-1CA7-4F98-8D89-1EC98E67AF2C}" type="datetimeFigureOut">
               <a:rPr lang="en-US" smtClean="0"/>
               <a:pPr/>
-              <a:t>4/12/15</a:t>
+              <a:t>4/13/15</a:t>
             </a:fld>
             <a:endParaRPr lang="en-US"/>
           </a:p>
@@ -521,7 +521,7 @@
     </p:spTree>
     <p:extLst>
       <p:ext uri="{BB962C8B-B14F-4D97-AF65-F5344CB8AC3E}">
-        <p14:creationId xmlns:p14="http://schemas.microsoft.com/office/powerpoint/2010/main" xmlns:p="http://schemas.openxmlformats.org/presentationml/2006/main" xmlns:r="http://schemas.openxmlformats.org/officeDocument/2006/relationships" xmlns:a="http://schemas.openxmlformats.org/drawingml/2006/main" xmlns="" val="917881071"/>
+        <p14:creationId xmlns="" xmlns:a="http://schemas.openxmlformats.org/drawingml/2006/main" xmlns:r="http://schemas.openxmlformats.org/officeDocument/2006/relationships" xmlns:p="http://schemas.openxmlformats.org/presentationml/2006/main" xmlns:p14="http://schemas.microsoft.com/office/powerpoint/2010/main" xmlns:mv="urn:schemas-microsoft-com:mac:vml" xmlns:mc="http://schemas.openxmlformats.org/markup-compatibility/2006" val="917881071"/>
       </p:ext>
     </p:extLst>
   </p:cSld>
@@ -651,7 +651,7 @@
             <a:fld id="{A3323DE7-1CA7-4F98-8D89-1EC98E67AF2C}" type="datetimeFigureOut">
               <a:rPr lang="en-US" smtClean="0"/>
               <a:pPr/>
-              <a:t>4/12/15</a:t>
+              <a:t>4/13/15</a:t>
             </a:fld>
             <a:endParaRPr lang="en-US"/>
           </a:p>
@@ -703,7 +703,7 @@
     </p:spTree>
     <p:extLst>
       <p:ext uri="{BB962C8B-B14F-4D97-AF65-F5344CB8AC3E}">
-        <p14:creationId xmlns:p14="http://schemas.microsoft.com/office/powerpoint/2010/main" xmlns:p="http://schemas.openxmlformats.org/presentationml/2006/main" xmlns:r="http://schemas.openxmlformats.org/officeDocument/2006/relationships" xmlns:a="http://schemas.openxmlformats.org/drawingml/2006/main" xmlns="" val="2323799925"/>
+        <p14:creationId xmlns="" xmlns:a="http://schemas.openxmlformats.org/drawingml/2006/main" xmlns:r="http://schemas.openxmlformats.org/officeDocument/2006/relationships" xmlns:p="http://schemas.openxmlformats.org/presentationml/2006/main" xmlns:p14="http://schemas.microsoft.com/office/powerpoint/2010/main" xmlns:mv="urn:schemas-microsoft-com:mac:vml" xmlns:mc="http://schemas.openxmlformats.org/markup-compatibility/2006" val="2323799925"/>
       </p:ext>
     </p:extLst>
   </p:cSld>
@@ -823,7 +823,7 @@
             <a:fld id="{A3323DE7-1CA7-4F98-8D89-1EC98E67AF2C}" type="datetimeFigureOut">
               <a:rPr lang="en-US" smtClean="0"/>
               <a:pPr/>
-              <a:t>4/12/15</a:t>
+              <a:t>4/13/15</a:t>
             </a:fld>
             <a:endParaRPr lang="en-US"/>
           </a:p>
@@ -875,7 +875,7 @@
     </p:spTree>
     <p:extLst>
       <p:ext uri="{BB962C8B-B14F-4D97-AF65-F5344CB8AC3E}">
-        <p14:creationId xmlns:p14="http://schemas.microsoft.com/office/powerpoint/2010/main" xmlns:p="http://schemas.openxmlformats.org/presentationml/2006/main" xmlns:r="http://schemas.openxmlformats.org/officeDocument/2006/relationships" xmlns:a="http://schemas.openxmlformats.org/drawingml/2006/main" xmlns="" val="1661309406"/>
+        <p14:creationId xmlns="" xmlns:a="http://schemas.openxmlformats.org/drawingml/2006/main" xmlns:r="http://schemas.openxmlformats.org/officeDocument/2006/relationships" xmlns:p="http://schemas.openxmlformats.org/presentationml/2006/main" xmlns:p14="http://schemas.microsoft.com/office/powerpoint/2010/main" xmlns:mv="urn:schemas-microsoft-com:mac:vml" xmlns:mc="http://schemas.openxmlformats.org/markup-compatibility/2006" val="1661309406"/>
       </p:ext>
     </p:extLst>
   </p:cSld>
@@ -1071,7 +1071,7 @@
             <a:fld id="{A3323DE7-1CA7-4F98-8D89-1EC98E67AF2C}" type="datetimeFigureOut">
               <a:rPr lang="en-US" smtClean="0"/>
               <a:pPr/>
-              <a:t>4/12/15</a:t>
+              <a:t>4/13/15</a:t>
             </a:fld>
             <a:endParaRPr lang="en-US"/>
           </a:p>
@@ -1123,7 +1123,7 @@
     </p:spTree>
     <p:extLst>
       <p:ext uri="{BB962C8B-B14F-4D97-AF65-F5344CB8AC3E}">
-        <p14:creationId xmlns:p14="http://schemas.microsoft.com/office/powerpoint/2010/main" xmlns:p="http://schemas.openxmlformats.org/presentationml/2006/main" xmlns:r="http://schemas.openxmlformats.org/officeDocument/2006/relationships" xmlns:a="http://schemas.openxmlformats.org/drawingml/2006/main" xmlns="" val="116544424"/>
+        <p14:creationId xmlns="" xmlns:a="http://schemas.openxmlformats.org/drawingml/2006/main" xmlns:r="http://schemas.openxmlformats.org/officeDocument/2006/relationships" xmlns:p="http://schemas.openxmlformats.org/presentationml/2006/main" xmlns:p14="http://schemas.microsoft.com/office/powerpoint/2010/main" xmlns:mv="urn:schemas-microsoft-com:mac:vml" xmlns:mc="http://schemas.openxmlformats.org/markup-compatibility/2006" val="116544424"/>
       </p:ext>
     </p:extLst>
   </p:cSld>
@@ -1361,7 +1361,7 @@
             <a:fld id="{A3323DE7-1CA7-4F98-8D89-1EC98E67AF2C}" type="datetimeFigureOut">
               <a:rPr lang="en-US" smtClean="0"/>
               <a:pPr/>
-              <a:t>4/12/15</a:t>
+              <a:t>4/13/15</a:t>
             </a:fld>
             <a:endParaRPr lang="en-US"/>
           </a:p>
@@ -1413,7 +1413,7 @@
     </p:spTree>
     <p:extLst>
       <p:ext uri="{BB962C8B-B14F-4D97-AF65-F5344CB8AC3E}">
-        <p14:creationId xmlns:p14="http://schemas.microsoft.com/office/powerpoint/2010/main" xmlns:p="http://schemas.openxmlformats.org/presentationml/2006/main" xmlns:r="http://schemas.openxmlformats.org/officeDocument/2006/relationships" xmlns:a="http://schemas.openxmlformats.org/drawingml/2006/main" xmlns="" val="2381061995"/>
+        <p14:creationId xmlns="" xmlns:a="http://schemas.openxmlformats.org/drawingml/2006/main" xmlns:r="http://schemas.openxmlformats.org/officeDocument/2006/relationships" xmlns:p="http://schemas.openxmlformats.org/presentationml/2006/main" xmlns:p14="http://schemas.microsoft.com/office/powerpoint/2010/main" xmlns:mv="urn:schemas-microsoft-com:mac:vml" xmlns:mc="http://schemas.openxmlformats.org/markup-compatibility/2006" val="2381061995"/>
       </p:ext>
     </p:extLst>
   </p:cSld>
@@ -1785,7 +1785,7 @@
             <a:fld id="{A3323DE7-1CA7-4F98-8D89-1EC98E67AF2C}" type="datetimeFigureOut">
               <a:rPr lang="en-US" smtClean="0"/>
               <a:pPr/>
-              <a:t>4/12/15</a:t>
+              <a:t>4/13/15</a:t>
             </a:fld>
             <a:endParaRPr lang="en-US"/>
           </a:p>
@@ -1837,7 +1837,7 @@
     </p:spTree>
     <p:extLst>
       <p:ext uri="{BB962C8B-B14F-4D97-AF65-F5344CB8AC3E}">
-        <p14:creationId xmlns:p14="http://schemas.microsoft.com/office/powerpoint/2010/main" xmlns:p="http://schemas.openxmlformats.org/presentationml/2006/main" xmlns:r="http://schemas.openxmlformats.org/officeDocument/2006/relationships" xmlns:a="http://schemas.openxmlformats.org/drawingml/2006/main" xmlns="" val="2995337799"/>
+        <p14:creationId xmlns="" xmlns:a="http://schemas.openxmlformats.org/drawingml/2006/main" xmlns:r="http://schemas.openxmlformats.org/officeDocument/2006/relationships" xmlns:p="http://schemas.openxmlformats.org/presentationml/2006/main" xmlns:p14="http://schemas.microsoft.com/office/powerpoint/2010/main" xmlns:mv="urn:schemas-microsoft-com:mac:vml" xmlns:mc="http://schemas.openxmlformats.org/markup-compatibility/2006" val="2995337799"/>
       </p:ext>
     </p:extLst>
   </p:cSld>
@@ -1905,7 +1905,7 @@
             <a:fld id="{A3323DE7-1CA7-4F98-8D89-1EC98E67AF2C}" type="datetimeFigureOut">
               <a:rPr lang="en-US" smtClean="0"/>
               <a:pPr/>
-              <a:t>4/12/15</a:t>
+              <a:t>4/13/15</a:t>
             </a:fld>
             <a:endParaRPr lang="en-US"/>
           </a:p>
@@ -1957,7 +1957,7 @@
     </p:spTree>
     <p:extLst>
       <p:ext uri="{BB962C8B-B14F-4D97-AF65-F5344CB8AC3E}">
-        <p14:creationId xmlns:p14="http://schemas.microsoft.com/office/powerpoint/2010/main" xmlns:p="http://schemas.openxmlformats.org/presentationml/2006/main" xmlns:r="http://schemas.openxmlformats.org/officeDocument/2006/relationships" xmlns:a="http://schemas.openxmlformats.org/drawingml/2006/main" xmlns="" val="415496904"/>
+        <p14:creationId xmlns="" xmlns:a="http://schemas.openxmlformats.org/drawingml/2006/main" xmlns:r="http://schemas.openxmlformats.org/officeDocument/2006/relationships" xmlns:p="http://schemas.openxmlformats.org/presentationml/2006/main" xmlns:p14="http://schemas.microsoft.com/office/powerpoint/2010/main" xmlns:mv="urn:schemas-microsoft-com:mac:vml" xmlns:mc="http://schemas.openxmlformats.org/markup-compatibility/2006" val="415496904"/>
       </p:ext>
     </p:extLst>
   </p:cSld>
@@ -2002,7 +2002,7 @@
             <a:fld id="{A3323DE7-1CA7-4F98-8D89-1EC98E67AF2C}" type="datetimeFigureOut">
               <a:rPr lang="en-US" smtClean="0"/>
               <a:pPr/>
-              <a:t>4/12/15</a:t>
+              <a:t>4/13/15</a:t>
             </a:fld>
             <a:endParaRPr lang="en-US"/>
           </a:p>
@@ -2054,7 +2054,7 @@
     </p:spTree>
     <p:extLst>
       <p:ext uri="{BB962C8B-B14F-4D97-AF65-F5344CB8AC3E}">
-        <p14:creationId xmlns:p14="http://schemas.microsoft.com/office/powerpoint/2010/main" xmlns:p="http://schemas.openxmlformats.org/presentationml/2006/main" xmlns:r="http://schemas.openxmlformats.org/officeDocument/2006/relationships" xmlns:a="http://schemas.openxmlformats.org/drawingml/2006/main" xmlns="" val="2607504586"/>
+        <p14:creationId xmlns="" xmlns:a="http://schemas.openxmlformats.org/drawingml/2006/main" xmlns:r="http://schemas.openxmlformats.org/officeDocument/2006/relationships" xmlns:p="http://schemas.openxmlformats.org/presentationml/2006/main" xmlns:p14="http://schemas.microsoft.com/office/powerpoint/2010/main" xmlns:mv="urn:schemas-microsoft-com:mac:vml" xmlns:mc="http://schemas.openxmlformats.org/markup-compatibility/2006" val="2607504586"/>
       </p:ext>
     </p:extLst>
   </p:cSld>
@@ -2281,7 +2281,7 @@
             <a:fld id="{A3323DE7-1CA7-4F98-8D89-1EC98E67AF2C}" type="datetimeFigureOut">
               <a:rPr lang="en-US" smtClean="0"/>
               <a:pPr/>
-              <a:t>4/12/15</a:t>
+              <a:t>4/13/15</a:t>
             </a:fld>
             <a:endParaRPr lang="en-US"/>
           </a:p>
@@ -2333,7 +2333,7 @@
     </p:spTree>
     <p:extLst>
       <p:ext uri="{BB962C8B-B14F-4D97-AF65-F5344CB8AC3E}">
-        <p14:creationId xmlns:p14="http://schemas.microsoft.com/office/powerpoint/2010/main" xmlns:p="http://schemas.openxmlformats.org/presentationml/2006/main" xmlns:r="http://schemas.openxmlformats.org/officeDocument/2006/relationships" xmlns:a="http://schemas.openxmlformats.org/drawingml/2006/main" xmlns="" val="508117069"/>
+        <p14:creationId xmlns="" xmlns:a="http://schemas.openxmlformats.org/drawingml/2006/main" xmlns:r="http://schemas.openxmlformats.org/officeDocument/2006/relationships" xmlns:p="http://schemas.openxmlformats.org/presentationml/2006/main" xmlns:p14="http://schemas.microsoft.com/office/powerpoint/2010/main" xmlns:mv="urn:schemas-microsoft-com:mac:vml" xmlns:mc="http://schemas.openxmlformats.org/markup-compatibility/2006" val="508117069"/>
       </p:ext>
     </p:extLst>
   </p:cSld>
@@ -2536,7 +2536,7 @@
             <a:fld id="{A3323DE7-1CA7-4F98-8D89-1EC98E67AF2C}" type="datetimeFigureOut">
               <a:rPr lang="en-US" smtClean="0"/>
               <a:pPr/>
-              <a:t>4/12/15</a:t>
+              <a:t>4/13/15</a:t>
             </a:fld>
             <a:endParaRPr lang="en-US"/>
           </a:p>
@@ -2588,7 +2588,7 @@
     </p:spTree>
     <p:extLst>
       <p:ext uri="{BB962C8B-B14F-4D97-AF65-F5344CB8AC3E}">
-        <p14:creationId xmlns:p14="http://schemas.microsoft.com/office/powerpoint/2010/main" xmlns:p="http://schemas.openxmlformats.org/presentationml/2006/main" xmlns:r="http://schemas.openxmlformats.org/officeDocument/2006/relationships" xmlns:a="http://schemas.openxmlformats.org/drawingml/2006/main" xmlns="" val="425774408"/>
+        <p14:creationId xmlns="" xmlns:a="http://schemas.openxmlformats.org/drawingml/2006/main" xmlns:r="http://schemas.openxmlformats.org/officeDocument/2006/relationships" xmlns:p="http://schemas.openxmlformats.org/presentationml/2006/main" xmlns:p14="http://schemas.microsoft.com/office/powerpoint/2010/main" xmlns:mv="urn:schemas-microsoft-com:mac:vml" xmlns:mc="http://schemas.openxmlformats.org/markup-compatibility/2006" val="425774408"/>
       </p:ext>
     </p:extLst>
   </p:cSld>
@@ -2751,7 +2751,7 @@
             <a:fld id="{A3323DE7-1CA7-4F98-8D89-1EC98E67AF2C}" type="datetimeFigureOut">
               <a:rPr lang="en-US" smtClean="0"/>
               <a:pPr/>
-              <a:t>4/12/15</a:t>
+              <a:t>4/13/15</a:t>
             </a:fld>
             <a:endParaRPr lang="en-US"/>
           </a:p>
@@ -2839,7 +2839,7 @@
     </p:spTree>
     <p:extLst>
       <p:ext uri="{BB962C8B-B14F-4D97-AF65-F5344CB8AC3E}">
-        <p14:creationId xmlns:p14="http://schemas.microsoft.com/office/powerpoint/2010/main" xmlns:p="http://schemas.openxmlformats.org/presentationml/2006/main" xmlns:r="http://schemas.openxmlformats.org/officeDocument/2006/relationships" xmlns:a="http://schemas.openxmlformats.org/drawingml/2006/main" xmlns="" val="2935169150"/>
+        <p14:creationId xmlns="" xmlns:a="http://schemas.openxmlformats.org/drawingml/2006/main" xmlns:r="http://schemas.openxmlformats.org/officeDocument/2006/relationships" xmlns:p="http://schemas.openxmlformats.org/presentationml/2006/main" xmlns:p14="http://schemas.microsoft.com/office/powerpoint/2010/main" xmlns:mv="urn:schemas-microsoft-com:mac:vml" xmlns:mc="http://schemas.openxmlformats.org/markup-compatibility/2006" val="2935169150"/>
       </p:ext>
     </p:extLst>
   </p:cSld>
@@ -3139,7 +3139,7 @@
           <a:blip r:embed="rId2" cstate="print">
             <a:extLst>
               <a:ext uri="{28A0092B-C50C-407E-A947-70E740481C1C}">
-                <a14:useLocalDpi xmlns:a14="http://schemas.microsoft.com/office/drawing/2010/main" xmlns:p="http://schemas.openxmlformats.org/presentationml/2006/main" xmlns:r="http://schemas.openxmlformats.org/officeDocument/2006/relationships" xmlns:a="http://schemas.openxmlformats.org/drawingml/2006/main" xmlns="" val="0"/>
+                <a14:useLocalDpi xmlns="" xmlns:a="http://schemas.openxmlformats.org/drawingml/2006/main" xmlns:r="http://schemas.openxmlformats.org/officeDocument/2006/relationships" xmlns:p="http://schemas.openxmlformats.org/presentationml/2006/main" xmlns:a14="http://schemas.microsoft.com/office/drawing/2010/main" xmlns:mv="urn:schemas-microsoft-com:mac:vml" xmlns:mc="http://schemas.openxmlformats.org/markup-compatibility/2006" val="0"/>
               </a:ext>
             </a:extLst>
           </a:blip>
@@ -3159,7 +3159,7 @@
           <a:noFill/>
           <a:extLst>
             <a:ext uri="{909E8E84-426E-40DD-AFC4-6F175D3DCCD1}">
-              <a14:hiddenFill xmlns:a14="http://schemas.microsoft.com/office/drawing/2010/main" xmlns:p="http://schemas.openxmlformats.org/presentationml/2006/main" xmlns:r="http://schemas.openxmlformats.org/officeDocument/2006/relationships" xmlns:a="http://schemas.openxmlformats.org/drawingml/2006/main" xmlns="">
+              <a14:hiddenFill xmlns="" xmlns:a="http://schemas.openxmlformats.org/drawingml/2006/main" xmlns:r="http://schemas.openxmlformats.org/officeDocument/2006/relationships" xmlns:p="http://schemas.openxmlformats.org/presentationml/2006/main" xmlns:a14="http://schemas.microsoft.com/office/drawing/2010/main" xmlns:mv="urn:schemas-microsoft-com:mac:vml" xmlns:mc="http://schemas.openxmlformats.org/markup-compatibility/2006">
                 <a:solidFill>
                   <a:srgbClr val="FFFFFF"/>
                 </a:solidFill>
@@ -3274,7 +3274,7 @@
           <a:blip r:embed="rId3">
             <a:extLst>
               <a:ext uri="{28A0092B-C50C-407E-A947-70E740481C1C}">
-                <a14:useLocalDpi xmlns:a14="http://schemas.microsoft.com/office/drawing/2010/main" xmlns:p="http://schemas.openxmlformats.org/presentationml/2006/main" xmlns:r="http://schemas.openxmlformats.org/officeDocument/2006/relationships" xmlns:a="http://schemas.openxmlformats.org/drawingml/2006/main" xmlns="" val="0"/>
+                <a14:useLocalDpi xmlns="" xmlns:a="http://schemas.openxmlformats.org/drawingml/2006/main" xmlns:r="http://schemas.openxmlformats.org/officeDocument/2006/relationships" xmlns:p="http://schemas.openxmlformats.org/presentationml/2006/main" xmlns:a14="http://schemas.microsoft.com/office/drawing/2010/main" xmlns:mv="urn:schemas-microsoft-com:mac:vml" xmlns:mc="http://schemas.openxmlformats.org/markup-compatibility/2006" val="0"/>
               </a:ext>
             </a:extLst>
           </a:blip>
@@ -3294,7 +3294,7 @@
           <a:noFill/>
           <a:extLst>
             <a:ext uri="{909E8E84-426E-40DD-AFC4-6F175D3DCCD1}">
-              <a14:hiddenFill xmlns:a14="http://schemas.microsoft.com/office/drawing/2010/main" xmlns:p="http://schemas.openxmlformats.org/presentationml/2006/main" xmlns:r="http://schemas.openxmlformats.org/officeDocument/2006/relationships" xmlns:a="http://schemas.openxmlformats.org/drawingml/2006/main" xmlns="">
+              <a14:hiddenFill xmlns="" xmlns:a="http://schemas.openxmlformats.org/drawingml/2006/main" xmlns:r="http://schemas.openxmlformats.org/officeDocument/2006/relationships" xmlns:p="http://schemas.openxmlformats.org/presentationml/2006/main" xmlns:a14="http://schemas.microsoft.com/office/drawing/2010/main" xmlns:mv="urn:schemas-microsoft-com:mac:vml" xmlns:mc="http://schemas.openxmlformats.org/markup-compatibility/2006">
                 <a:solidFill>
                   <a:srgbClr val="FFFFFF"/>
                 </a:solidFill>
@@ -3315,7 +3315,7 @@
           <a:blip r:embed="rId4">
             <a:extLst>
               <a:ext uri="{28A0092B-C50C-407E-A947-70E740481C1C}">
-                <a14:useLocalDpi xmlns:a14="http://schemas.microsoft.com/office/drawing/2010/main" xmlns:p="http://schemas.openxmlformats.org/presentationml/2006/main" xmlns:r="http://schemas.openxmlformats.org/officeDocument/2006/relationships" xmlns:a="http://schemas.openxmlformats.org/drawingml/2006/main" xmlns="" val="0"/>
+                <a14:useLocalDpi xmlns="" xmlns:a="http://schemas.openxmlformats.org/drawingml/2006/main" xmlns:r="http://schemas.openxmlformats.org/officeDocument/2006/relationships" xmlns:p="http://schemas.openxmlformats.org/presentationml/2006/main" xmlns:a14="http://schemas.microsoft.com/office/drawing/2010/main" xmlns:mv="urn:schemas-microsoft-com:mac:vml" xmlns:mc="http://schemas.openxmlformats.org/markup-compatibility/2006" val="0"/>
               </a:ext>
             </a:extLst>
           </a:blip>
@@ -3335,7 +3335,7 @@
           <a:noFill/>
           <a:extLst>
             <a:ext uri="{909E8E84-426E-40DD-AFC4-6F175D3DCCD1}">
-              <a14:hiddenFill xmlns:a14="http://schemas.microsoft.com/office/drawing/2010/main" xmlns:p="http://schemas.openxmlformats.org/presentationml/2006/main" xmlns:r="http://schemas.openxmlformats.org/officeDocument/2006/relationships" xmlns:a="http://schemas.openxmlformats.org/drawingml/2006/main" xmlns="">
+              <a14:hiddenFill xmlns="" xmlns:a="http://schemas.openxmlformats.org/drawingml/2006/main" xmlns:r="http://schemas.openxmlformats.org/officeDocument/2006/relationships" xmlns:p="http://schemas.openxmlformats.org/presentationml/2006/main" xmlns:a14="http://schemas.microsoft.com/office/drawing/2010/main" xmlns:mv="urn:schemas-microsoft-com:mac:vml" xmlns:mc="http://schemas.openxmlformats.org/markup-compatibility/2006">
                 <a:solidFill>
                   <a:srgbClr val="FFFFFF"/>
                 </a:solidFill>
@@ -3561,15 +3561,7 @@
           <a:p>
             <a:r>
               <a:rPr lang="en-US" dirty="0" smtClean="0"/>
-              <a:t>Particle in Cell Code with Adaptive</a:t>
-            </a:r>
-            <a:r>
-              <a:rPr lang="en-US" dirty="0" smtClean="0"/>
-              <a:t> 3D Grid </a:t>
-            </a:r>
-            <a:r>
-              <a:rPr lang="en-US" dirty="0" smtClean="0"/>
-              <a:t>and Dynamic Load Balancing</a:t>
+              <a:t>Particle in Cell Code with Adaptive 3D Grid and Dynamic Load Balancing</a:t>
             </a:r>
           </a:p>
         </p:txBody>
@@ -3615,7 +3607,7 @@
     </p:spTree>
     <p:extLst>
       <p:ext uri="{BB962C8B-B14F-4D97-AF65-F5344CB8AC3E}">
-        <p14:creationId xmlns:p14="http://schemas.microsoft.com/office/powerpoint/2010/main" xmlns:p="http://schemas.openxmlformats.org/presentationml/2006/main" xmlns:r="http://schemas.openxmlformats.org/officeDocument/2006/relationships" xmlns:a="http://schemas.openxmlformats.org/drawingml/2006/main" xmlns="" val="1062993296"/>
+        <p14:creationId xmlns="" xmlns:a="http://schemas.openxmlformats.org/drawingml/2006/main" xmlns:r="http://schemas.openxmlformats.org/officeDocument/2006/relationships" xmlns:p="http://schemas.openxmlformats.org/presentationml/2006/main" xmlns:p14="http://schemas.microsoft.com/office/powerpoint/2010/main" xmlns:mv="urn:schemas-microsoft-com:mac:vml" xmlns:mc="http://schemas.openxmlformats.org/markup-compatibility/2006" val="1062993296"/>
       </p:ext>
     </p:extLst>
   </p:cSld>
@@ -4175,7 +4167,7 @@
         </p:spPr>
         <p:txBody>
           <a:bodyPr>
-            <a:normAutofit fontScale="70000" lnSpcReduction="20000"/>
+            <a:normAutofit fontScale="92500" lnSpcReduction="20000"/>
           </a:bodyPr>
           <a:lstStyle/>
           <a:p>
@@ -4183,20 +4175,36 @@
               <a:rPr lang="en-US" dirty="0" smtClean="0"/>
               <a:t>Start with a 3-dimensional grid</a:t>
             </a:r>
+            <a:endParaRPr lang="en-US" dirty="0" smtClean="0"/>
           </a:p>
           <a:p>
             <a:pPr lvl="1"/>
             <a:r>
               <a:rPr lang="en-US" dirty="0" smtClean="0"/>
-              <a:t>If </a:t>
-            </a:r>
-            <a:r>
-              <a:rPr lang="en-US" u="sng" dirty="0" smtClean="0"/>
-              <a:t>D is the finest resolution per dimension</a:t>
+              <a:t>If D=Finest </a:t>
             </a:r>
             <a:r>
               <a:rPr lang="en-US" dirty="0" smtClean="0"/>
-              <a:t>, a static grid would have D</a:t>
+              <a:t>grid dimension needed…</a:t>
+            </a:r>
+          </a:p>
+          <a:p>
+            <a:pPr lvl="2"/>
+            <a:r>
+              <a:rPr lang="en-US" dirty="0" smtClean="0"/>
+              <a:t>S</a:t>
+            </a:r>
+            <a:r>
+              <a:rPr lang="en-US" dirty="0" smtClean="0"/>
+              <a:t>tatic grid</a:t>
+            </a:r>
+            <a:r>
+              <a:rPr lang="en-US" dirty="0" smtClean="0"/>
+              <a:t>: </a:t>
+            </a:r>
+            <a:r>
+              <a:rPr lang="en-US" dirty="0" smtClean="0"/>
+              <a:t>D</a:t>
             </a:r>
             <a:r>
               <a:rPr lang="en-US" baseline="30000" dirty="0" smtClean="0"/>
@@ -4204,28 +4212,26 @@
             </a:r>
             <a:r>
               <a:rPr lang="en-US" dirty="0" smtClean="0"/>
-              <a:t> grid points</a:t>
-            </a:r>
-          </a:p>
-          <a:p>
-            <a:pPr lvl="1"/>
+              <a:t> </a:t>
+            </a:r>
             <a:r>
               <a:rPr lang="en-US" dirty="0" smtClean="0"/>
-              <a:t>In real world, D ≈ 1,000,000 ; This is unmanageable</a:t>
-            </a:r>
-          </a:p>
-          <a:p>
-            <a:pPr lvl="1"/>
+              <a:t>grid </a:t>
+            </a:r>
             <a:r>
               <a:rPr lang="en-US" dirty="0" smtClean="0"/>
-              <a:t>A dynamic grid only requires D resolution in small portion of the grid</a:t>
-            </a:r>
-          </a:p>
-          <a:p>
-            <a:pPr lvl="1"/>
+              <a:t>points</a:t>
+            </a:r>
+          </a:p>
+          <a:p>
+            <a:pPr lvl="2"/>
             <a:r>
               <a:rPr lang="en-US" dirty="0" smtClean="0"/>
-              <a:t>For us: D ≈ 100 (D</a:t>
+              <a:t>D</a:t>
+            </a:r>
+            <a:r>
+              <a:rPr lang="en-US" dirty="0" smtClean="0"/>
+              <a:t>ynamic: D</a:t>
             </a:r>
             <a:r>
               <a:rPr lang="en-US" baseline="30000" dirty="0" smtClean="0"/>
@@ -4233,14 +4239,26 @@
             </a:r>
             <a:r>
               <a:rPr lang="en-US" dirty="0" smtClean="0"/>
-              <a:t> ≈ 1,000,000), but only in ≈1/1,000 of the grid</a:t>
+              <a:t> </a:t>
+            </a:r>
+            <a:r>
+              <a:rPr lang="en-US" dirty="0" err="1" smtClean="0"/>
+              <a:t>x</a:t>
+            </a:r>
+            <a:r>
+              <a:rPr lang="en-US" dirty="0" smtClean="0"/>
+              <a:t> (small factor) grid points</a:t>
             </a:r>
           </a:p>
           <a:p>
             <a:pPr lvl="1"/>
             <a:r>
               <a:rPr lang="en-US" dirty="0" smtClean="0"/>
-              <a:t>However: dynamic grid makes load balancing very tricky</a:t>
+              <a:t>However</a:t>
+            </a:r>
+            <a:r>
+              <a:rPr lang="en-US" dirty="0" smtClean="0"/>
+              <a:t>: dynamic grid makes load balancing very tricky</a:t>
             </a:r>
           </a:p>
           <a:p>
@@ -4248,34 +4266,42 @@
               <a:rPr lang="en-US" dirty="0" smtClean="0"/>
               <a:t>Problem: Load balancing</a:t>
             </a:r>
+            <a:endParaRPr lang="en-US" dirty="0" smtClean="0"/>
           </a:p>
           <a:p>
             <a:pPr lvl="1"/>
             <a:r>
               <a:rPr lang="en-US" dirty="0" smtClean="0"/>
-              <a:t>How to balance: Grid points? Particles? Both?</a:t>
+              <a:t>Distributed memory</a:t>
             </a:r>
           </a:p>
           <a:p>
             <a:pPr lvl="1"/>
             <a:r>
               <a:rPr lang="en-US" dirty="0" smtClean="0"/>
-              <a:t>Answer: Get weighted calculation of current grid + particle load, Broadcast All2All load sizes, each grid point decides to either Give some load or Take some load</a:t>
-            </a:r>
+              <a:t>Balancing both grid points (dynamic) and particles (moving)</a:t>
+            </a:r>
+            <a:endParaRPr lang="en-US" dirty="0" smtClean="0"/>
           </a:p>
           <a:p>
             <a:pPr lvl="1"/>
             <a:r>
               <a:rPr lang="en-US" dirty="0" smtClean="0"/>
-              <a:t>How to most efficiently communicate load exchanges between processors at each time step?</a:t>
-            </a:r>
-          </a:p>
-          <a:p>
-            <a:pPr lvl="1"/>
+              <a:t>Need small All2All </a:t>
+            </a:r>
+            <a:r>
+              <a:rPr lang="en-US" dirty="0" err="1" smtClean="0"/>
+              <a:t>comm</a:t>
+            </a:r>
             <a:r>
               <a:rPr lang="en-US" dirty="0" smtClean="0"/>
-              <a:t>Answer: Give or Take only with neighbors (doing this well is the tricky part)</a:t>
-            </a:r>
+              <a:t>, lots of (intelligent) neighbor </a:t>
+            </a:r>
+            <a:r>
+              <a:rPr lang="en-US" dirty="0" err="1" smtClean="0"/>
+              <a:t>comm</a:t>
+            </a:r>
+            <a:endParaRPr lang="en-US" dirty="0" smtClean="0"/>
           </a:p>
         </p:txBody>
       </p:sp>
@@ -4353,11 +4379,7 @@
           <a:p>
             <a:r>
               <a:rPr lang="en-US" dirty="0" smtClean="0"/>
-              <a:t>N</a:t>
-            </a:r>
-            <a:r>
-              <a:rPr lang="en-US" dirty="0" smtClean="0"/>
-              <a:t> = number of grid points</a:t>
+              <a:t>N = number of grid points</a:t>
             </a:r>
           </a:p>
           <a:p>
@@ -4376,15 +4398,7 @@
             <a:pPr lvl="1"/>
             <a:r>
               <a:rPr lang="en-US" dirty="0" smtClean="0"/>
-              <a:t>Complexity = O(N+</a:t>
-            </a:r>
-            <a:r>
-              <a:rPr lang="en-US" dirty="0" smtClean="0"/>
-              <a:t>M</a:t>
-            </a:r>
-            <a:r>
-              <a:rPr lang="en-US" dirty="0" smtClean="0"/>
-              <a:t>)</a:t>
+              <a:t>Complexity = O(N+M)</a:t>
             </a:r>
           </a:p>
           <a:p>
@@ -4397,15 +4411,7 @@
             <a:pPr lvl="1"/>
             <a:r>
               <a:rPr lang="en-US" dirty="0" smtClean="0"/>
-              <a:t>Complexity = O((N+</a:t>
-            </a:r>
-            <a:r>
-              <a:rPr lang="en-US" dirty="0" smtClean="0"/>
-              <a:t>M</a:t>
-            </a:r>
-            <a:r>
-              <a:rPr lang="en-US" dirty="0" smtClean="0"/>
-              <a:t>)/</a:t>
+              <a:t>Complexity = O((N+M)/</a:t>
             </a:r>
             <a:r>
               <a:rPr lang="en-US" dirty="0" err="1" smtClean="0"/>
@@ -4531,25 +4537,43 @@
           </a:p>
         </p:txBody>
       </p:sp>
-      <p:sp>
-        <p:nvSpPr>
-          <p:cNvPr id="3" name="Content Placeholder 2"/>
-          <p:cNvSpPr>
-            <a:spLocks noGrp="1"/>
-          </p:cNvSpPr>
+      <p:pic>
+        <p:nvPicPr>
+          <p:cNvPr id="6" name="Content Placeholder 5" descr="Load_Balancer_Pseudocode.pdf"/>
+          <p:cNvPicPr>
+            <a:picLocks noGrp="1" noChangeAspect="1"/>
+          </p:cNvPicPr>
           <p:nvPr>
             <p:ph idx="1"/>
           </p:nvPr>
-        </p:nvSpPr>
-        <p:spPr/>
-        <p:txBody>
-          <a:bodyPr/>
-          <a:lstStyle/>
-          <a:p>
-            <a:endParaRPr lang="en-US" dirty="0"/>
-          </a:p>
-        </p:txBody>
-      </p:sp>
+        </p:nvPicPr>
+        <mc:AlternateContent>
+          <mc:Choice xmlns:ma="http://schemas.microsoft.com/office/mac/drawingml/2008/main" Requires="ma">
+            <p:blipFill>
+              <a:blip r:embed="rId2"/>
+              <a:srcRect l="-20253" r="-20253"/>
+              <a:stretch>
+                <a:fillRect/>
+              </a:stretch>
+            </p:blipFill>
+          </mc:Choice>
+          <mc:Fallback>
+            <p:blipFill>
+              <a:blip r:embed="rId3"/>
+              <a:srcRect l="-20253" r="-20253"/>
+              <a:stretch>
+                <a:fillRect/>
+              </a:stretch>
+            </p:blipFill>
+          </mc:Fallback>
+        </mc:AlternateContent>
+        <p:spPr>
+          <a:xfrm>
+            <a:off x="-685906" y="1143000"/>
+            <a:ext cx="10391636" cy="5715000"/>
+          </a:xfrm>
+        </p:spPr>
+      </p:pic>
     </p:spTree>
   </p:cSld>
   <p:clrMapOvr>
